--- a/立项.pptx
+++ b/立项.pptx
@@ -3579,7 +3579,7 @@
           <a:p>
             <a:fld id="{99C35035-FFBA-492E-A69E-AC40A460AB4D}" type="datetimeFigureOut">
               <a:rPr lang="zh-CN" altLang="en-US" smtClean="0"/>
-              <a:t>2022/9/12</a:t>
+              <a:t>2022/9/17</a:t>
             </a:fld>
             <a:endParaRPr lang="zh-CN" altLang="en-US"/>
           </a:p>
@@ -4817,7 +4817,7 @@
           <a:p>
             <a:fld id="{48A87A34-81AB-432B-8DAE-1953F412C126}" type="datetimeFigureOut">
               <a:rPr lang="en-US" smtClean="0"/>
-              <a:t>9/12/2022</a:t>
+              <a:t>9/17/2022</a:t>
             </a:fld>
             <a:endParaRPr lang="en-US" dirty="0"/>
           </a:p>
@@ -5142,7 +5142,7 @@
             <a:fld id="{48A87A34-81AB-432B-8DAE-1953F412C126}" type="datetimeFigureOut">
               <a:rPr lang="en-US" smtClean="0"/>
               <a:pPr/>
-              <a:t>9/12/2022</a:t>
+              <a:t>9/17/2022</a:t>
             </a:fld>
             <a:endParaRPr lang="en-US" dirty="0"/>
           </a:p>
@@ -5392,7 +5392,7 @@
             <a:fld id="{48A87A34-81AB-432B-8DAE-1953F412C126}" type="datetimeFigureOut">
               <a:rPr lang="en-US" smtClean="0"/>
               <a:pPr/>
-              <a:t>9/12/2022</a:t>
+              <a:t>9/17/2022</a:t>
             </a:fld>
             <a:endParaRPr lang="en-US" dirty="0"/>
           </a:p>
@@ -5733,7 +5733,7 @@
             <a:fld id="{48A87A34-81AB-432B-8DAE-1953F412C126}" type="datetimeFigureOut">
               <a:rPr lang="en-US" smtClean="0"/>
               <a:pPr/>
-              <a:t>9/12/2022</a:t>
+              <a:t>9/17/2022</a:t>
             </a:fld>
             <a:endParaRPr lang="en-US" dirty="0"/>
           </a:p>
@@ -6082,7 +6082,7 @@
             <a:fld id="{48A87A34-81AB-432B-8DAE-1953F412C126}" type="datetimeFigureOut">
               <a:rPr lang="en-US" smtClean="0"/>
               <a:pPr/>
-              <a:t>9/12/2022</a:t>
+              <a:t>9/17/2022</a:t>
             </a:fld>
             <a:endParaRPr lang="en-US" dirty="0"/>
           </a:p>
@@ -6458,7 +6458,7 @@
             <a:fld id="{48A87A34-81AB-432B-8DAE-1953F412C126}" type="datetimeFigureOut">
               <a:rPr lang="en-US" smtClean="0"/>
               <a:pPr/>
-              <a:t>9/12/2022</a:t>
+              <a:t>9/17/2022</a:t>
             </a:fld>
             <a:endParaRPr lang="en-US" dirty="0"/>
           </a:p>
@@ -6930,7 +6930,7 @@
             <a:fld id="{48A87A34-81AB-432B-8DAE-1953F412C126}" type="datetimeFigureOut">
               <a:rPr lang="en-US" smtClean="0"/>
               <a:pPr/>
-              <a:t>9/12/2022</a:t>
+              <a:t>9/17/2022</a:t>
             </a:fld>
             <a:endParaRPr lang="en-US" dirty="0"/>
           </a:p>
@@ -7136,7 +7136,7 @@
           <a:p>
             <a:fld id="{48A87A34-81AB-432B-8DAE-1953F412C126}" type="datetimeFigureOut">
               <a:rPr lang="en-US" smtClean="0"/>
-              <a:t>9/12/2022</a:t>
+              <a:t>9/17/2022</a:t>
             </a:fld>
             <a:endParaRPr lang="en-US" dirty="0"/>
           </a:p>
@@ -7347,7 +7347,7 @@
           <a:p>
             <a:fld id="{48A87A34-81AB-432B-8DAE-1953F412C126}" type="datetimeFigureOut">
               <a:rPr lang="en-US" smtClean="0"/>
-              <a:t>9/12/2022</a:t>
+              <a:t>9/17/2022</a:t>
             </a:fld>
             <a:endParaRPr lang="en-US" dirty="0"/>
           </a:p>
@@ -7826,7 +7826,7 @@
                 <a:ea typeface="微软雅黑" panose="020B0503020204020204" pitchFamily="34" charset="-122"/>
                 <a:cs typeface="+mn-cs"/>
               </a:rPr>
-              <a:t>2022/9/12</a:t>
+              <a:t>2022/9/17</a:t>
             </a:fld>
             <a:endParaRPr lang="zh-CN" altLang="en-US" strike="noStrike" noProof="1"/>
           </a:p>
@@ -8110,7 +8110,7 @@
           <a:p>
             <a:fld id="{48A87A34-81AB-432B-8DAE-1953F412C126}" type="datetimeFigureOut">
               <a:rPr lang="en-US" smtClean="0"/>
-              <a:t>9/12/2022</a:t>
+              <a:t>9/17/2022</a:t>
             </a:fld>
             <a:endParaRPr lang="en-US" dirty="0"/>
           </a:p>
@@ -8408,7 +8408,7 @@
           <a:p>
             <a:fld id="{48A87A34-81AB-432B-8DAE-1953F412C126}" type="datetimeFigureOut">
               <a:rPr lang="en-US" smtClean="0"/>
-              <a:t>9/12/2022</a:t>
+              <a:t>9/17/2022</a:t>
             </a:fld>
             <a:endParaRPr lang="en-US" dirty="0"/>
           </a:p>
@@ -8802,7 +8802,7 @@
           <a:p>
             <a:fld id="{48A87A34-81AB-432B-8DAE-1953F412C126}" type="datetimeFigureOut">
               <a:rPr lang="en-US" smtClean="0"/>
-              <a:t>9/12/2022</a:t>
+              <a:t>9/17/2022</a:t>
             </a:fld>
             <a:endParaRPr lang="en-US" dirty="0"/>
           </a:p>
@@ -8951,7 +8951,7 @@
           <a:p>
             <a:fld id="{48A87A34-81AB-432B-8DAE-1953F412C126}" type="datetimeFigureOut">
               <a:rPr lang="en-US" smtClean="0"/>
-              <a:t>9/12/2022</a:t>
+              <a:t>9/17/2022</a:t>
             </a:fld>
             <a:endParaRPr lang="en-US" dirty="0"/>
           </a:p>
@@ -9077,7 +9077,7 @@
           <a:p>
             <a:fld id="{48A87A34-81AB-432B-8DAE-1953F412C126}" type="datetimeFigureOut">
               <a:rPr lang="en-US" smtClean="0"/>
-              <a:t>9/12/2022</a:t>
+              <a:t>9/17/2022</a:t>
             </a:fld>
             <a:endParaRPr lang="en-US" dirty="0"/>
           </a:p>
@@ -9332,7 +9332,7 @@
           <a:p>
             <a:fld id="{48A87A34-81AB-432B-8DAE-1953F412C126}" type="datetimeFigureOut">
               <a:rPr lang="en-US" smtClean="0"/>
-              <a:t>9/12/2022</a:t>
+              <a:t>9/17/2022</a:t>
             </a:fld>
             <a:endParaRPr lang="en-US" dirty="0"/>
           </a:p>
@@ -9648,7 +9648,7 @@
             <a:fld id="{48A87A34-81AB-432B-8DAE-1953F412C126}" type="datetimeFigureOut">
               <a:rPr lang="en-US" smtClean="0"/>
               <a:pPr/>
-              <a:t>9/12/2022</a:t>
+              <a:t>9/17/2022</a:t>
             </a:fld>
             <a:endParaRPr lang="en-US" dirty="0"/>
           </a:p>
@@ -10000,7 +10000,7 @@
             <a:fld id="{48A87A34-81AB-432B-8DAE-1953F412C126}" type="datetimeFigureOut">
               <a:rPr lang="en-US" smtClean="0"/>
               <a:pPr/>
-              <a:t>9/12/2022</a:t>
+              <a:t>9/17/2022</a:t>
             </a:fld>
             <a:endParaRPr lang="en-US" dirty="0"/>
           </a:p>
@@ -10663,8 +10663,8 @@
         </p:nvSpPr>
         <p:spPr>
           <a:xfrm>
-            <a:off x="794430" y="2977626"/>
-            <a:ext cx="5038811" cy="2585323"/>
+            <a:off x="1057189" y="3126282"/>
+            <a:ext cx="5038811" cy="1754326"/>
           </a:xfrm>
           <a:prstGeom prst="rect">
             <a:avLst/>
@@ -10682,7 +10682,7 @@
                 <a:cs typeface="+mn-ea"/>
                 <a:sym typeface="+mn-lt"/>
               </a:rPr>
-              <a:t>基于文本分类的诈骗案情分析方法研究</a:t>
+              <a:t>基于文本分类的诈骗识别</a:t>
             </a:r>
           </a:p>
         </p:txBody>
@@ -10695,7 +10695,7 @@
         </p:nvSpPr>
         <p:spPr>
           <a:xfrm>
-            <a:off x="666839" y="5707085"/>
+            <a:off x="789931" y="5331691"/>
             <a:ext cx="6716903" cy="400110"/>
           </a:xfrm>
           <a:prstGeom prst="rect">
@@ -10726,7 +10726,7 @@
         </p:nvSpPr>
         <p:spPr>
           <a:xfrm>
-            <a:off x="948803" y="905771"/>
+            <a:off x="1211562" y="1054427"/>
             <a:ext cx="3802644" cy="2215991"/>
           </a:xfrm>
           <a:prstGeom prst="rect">
@@ -10761,7 +10761,7 @@
         </p:nvCxnSpPr>
         <p:spPr>
           <a:xfrm>
-            <a:off x="948803" y="2833489"/>
+            <a:off x="1211562" y="2982145"/>
             <a:ext cx="3629806" cy="0"/>
           </a:xfrm>
           <a:prstGeom prst="line">
@@ -11171,7 +11171,7 @@
         </p:nvSpPr>
         <p:spPr>
           <a:xfrm>
-            <a:off x="1387059" y="790524"/>
+            <a:off x="1387059" y="765124"/>
             <a:ext cx="9199485" cy="2246769"/>
           </a:xfrm>
           <a:prstGeom prst="rect">
@@ -11245,7 +11245,35 @@
                 <a:latin typeface="+mj-ea"/>
                 <a:ea typeface="+mj-ea"/>
               </a:rPr>
-              <a:t>网页框架：考虑</a:t>
+              <a:t>中期：可视化</a:t>
+            </a:r>
+            <a:r>
+              <a:rPr lang="en-US" altLang="zh-CN" sz="2000" dirty="0">
+                <a:latin typeface="+mj-ea"/>
+                <a:ea typeface="+mj-ea"/>
+              </a:rPr>
+              <a:t>web</a:t>
+            </a:r>
+            <a:r>
+              <a:rPr lang="zh-CN" altLang="en-US" sz="2000" dirty="0">
+                <a:latin typeface="+mj-ea"/>
+                <a:ea typeface="+mj-ea"/>
+              </a:rPr>
+              <a:t>网页</a:t>
+            </a:r>
+            <a:endParaRPr lang="en-US" altLang="zh-CN" sz="2000" dirty="0">
+              <a:latin typeface="+mj-ea"/>
+              <a:ea typeface="+mj-ea"/>
+            </a:endParaRPr>
+          </a:p>
+          <a:p>
+            <a:pPr lvl="2"/>
+            <a:r>
+              <a:rPr lang="zh-CN" altLang="en-US" sz="2000" dirty="0">
+                <a:latin typeface="+mj-ea"/>
+                <a:ea typeface="+mj-ea"/>
+              </a:rPr>
+              <a:t>考虑</a:t>
             </a:r>
             <a:r>
               <a:rPr lang="en-US" altLang="zh-CN" sz="2000" dirty="0">
@@ -11276,27 +11304,7 @@
                 <a:latin typeface="+mj-ea"/>
                 <a:ea typeface="+mj-ea"/>
               </a:rPr>
-              <a:t>绘图模块：</a:t>
-            </a:r>
-            <a:r>
-              <a:rPr lang="en-US" altLang="zh-CN" sz="2000" dirty="0">
-                <a:latin typeface="+mj-ea"/>
-                <a:ea typeface="+mj-ea"/>
-              </a:rPr>
-              <a:t>matplotlib</a:t>
-            </a:r>
-          </a:p>
-          <a:p>
-            <a:pPr marL="742950" lvl="1" indent="-285750">
-              <a:buFont typeface="Wingdings" panose="05000000000000000000" pitchFamily="2" charset="2"/>
-              <a:buChar char="l"/>
-            </a:pPr>
-            <a:r>
-              <a:rPr lang="zh-CN" altLang="en-US" sz="2000" dirty="0">
-                <a:latin typeface="+mj-ea"/>
-                <a:ea typeface="+mj-ea"/>
-              </a:rPr>
-              <a:t>或者：做成小程序，嵌入公众号</a:t>
+              <a:t>结题：做成小程序，嵌入公众号</a:t>
             </a:r>
             <a:endParaRPr lang="en-US" altLang="zh-CN" sz="2000" dirty="0">
               <a:latin typeface="+mj-ea"/>
@@ -11827,9 +11835,9 @@
         <p:grpSpPr>
           <a:xfrm>
             <a:off x="1170106" y="1382712"/>
-            <a:ext cx="9851788" cy="4092576"/>
+            <a:ext cx="9993194" cy="4092576"/>
             <a:chOff x="1163756" y="1585912"/>
-            <a:chExt cx="9851788" cy="4092576"/>
+            <a:chExt cx="9993194" cy="4092576"/>
           </a:xfrm>
         </p:grpSpPr>
         <p:grpSp>
@@ -12858,9 +12866,9 @@
           <p:grpSpPr>
             <a:xfrm>
               <a:off x="6698156" y="1585912"/>
-              <a:ext cx="4317388" cy="4092576"/>
+              <a:ext cx="4458794" cy="4092576"/>
               <a:chOff x="6698156" y="1585912"/>
-              <a:chExt cx="4317388" cy="4092576"/>
+              <a:chExt cx="4458794" cy="4092576"/>
             </a:xfrm>
           </p:grpSpPr>
           <p:sp>
@@ -12878,7 +12886,7 @@
             <p:spPr>
               <a:xfrm>
                 <a:off x="6698156" y="1585912"/>
-                <a:ext cx="4317388" cy="4092576"/>
+                <a:ext cx="4458794" cy="4092576"/>
               </a:xfrm>
               <a:prstGeom prst="rect">
                 <a:avLst/>
@@ -13936,8 +13944,8 @@
         </p:nvSpPr>
         <p:spPr>
           <a:xfrm flipH="1">
-            <a:off x="7261720" y="2730714"/>
-            <a:ext cx="3242768" cy="494238"/>
+            <a:off x="7144980" y="2706582"/>
+            <a:ext cx="4018320" cy="958660"/>
           </a:xfrm>
           <a:prstGeom prst="rect">
             <a:avLst/>
@@ -13951,6 +13959,36 @@
             <a:spAutoFit/>
           </a:bodyPr>
           <a:lstStyle/>
+          <a:p>
+            <a:pPr defTabSz="913765">
+              <a:lnSpc>
+                <a:spcPct val="150000"/>
+              </a:lnSpc>
+              <a:buSzPct val="25000"/>
+              <a:defRPr/>
+            </a:pPr>
+            <a:r>
+              <a:rPr kumimoji="0" lang="zh-CN" altLang="en-US" sz="2000" b="0" i="0" u="none" strike="noStrike" kern="1200" cap="none" spc="0" normalizeH="0" baseline="0" noProof="0" dirty="0">
+                <a:ln>
+                  <a:noFill/>
+                </a:ln>
+                <a:effectLst/>
+                <a:uLnTx/>
+                <a:uFillTx/>
+                <a:latin typeface="+mn-ea"/>
+              </a:rPr>
+              <a:t>优化模型，可视化，完善项目内容</a:t>
+            </a:r>
+            <a:endParaRPr kumimoji="0" lang="en-US" altLang="zh-CN" sz="2000" b="0" i="0" u="none" strike="noStrike" kern="1200" cap="none" spc="0" normalizeH="0" baseline="0" noProof="0" dirty="0">
+              <a:ln>
+                <a:noFill/>
+              </a:ln>
+              <a:effectLst/>
+              <a:uLnTx/>
+              <a:uFillTx/>
+              <a:latin typeface="+mn-ea"/>
+            </a:endParaRPr>
+          </a:p>
           <a:p>
             <a:pPr marL="0" marR="0" lvl="0" indent="0" defTabSz="913765" rtl="0" eaLnBrk="1" fontAlgn="auto" latinLnBrk="0" hangingPunct="1">
               <a:lnSpc>
@@ -13968,17 +14006,6 @@
               <a:buNone/>
               <a:defRPr/>
             </a:pPr>
-            <a:r>
-              <a:rPr kumimoji="0" lang="zh-CN" altLang="en-US" sz="2000" b="0" i="0" u="none" strike="noStrike" kern="1200" cap="none" spc="0" normalizeH="0" baseline="0" noProof="0" dirty="0">
-                <a:ln>
-                  <a:noFill/>
-                </a:ln>
-                <a:effectLst/>
-                <a:uLnTx/>
-                <a:uFillTx/>
-              </a:rPr>
-              <a:t>继续深入学习项目相关内容</a:t>
-            </a:r>
             <a:endParaRPr kumimoji="0" lang="en-US" altLang="zh-CN" sz="2000" b="0" i="0" u="none" strike="noStrike" kern="1200" cap="none" spc="0" normalizeH="0" baseline="0" noProof="0" dirty="0">
               <a:ln>
                 <a:noFill/>
@@ -13992,132 +14019,71 @@
       </p:sp>
       <p:sp>
         <p:nvSpPr>
-          <p:cNvPr id="40" name="矩形 39">
+          <p:cNvPr id="2" name="文本框 1">
             <a:extLst>
               <a:ext uri="{FF2B5EF4-FFF2-40B4-BE49-F238E27FC236}">
-                <a16:creationId xmlns:a16="http://schemas.microsoft.com/office/drawing/2014/main" id="{71DC73DC-74B9-7B80-DFB3-EA8ABE940A46}"/>
+                <a16:creationId xmlns:a16="http://schemas.microsoft.com/office/drawing/2014/main" id="{AE20DAF7-92D0-026D-22A4-0F01B8D6291C}"/>
               </a:ext>
             </a:extLst>
           </p:cNvPr>
-          <p:cNvSpPr/>
+          <p:cNvSpPr txBox="1"/>
           <p:nvPr/>
         </p:nvSpPr>
         <p:spPr>
-          <a:xfrm flipH="1">
-            <a:off x="7261720" y="3615822"/>
-            <a:ext cx="3242768" cy="499624"/>
+          <a:xfrm>
+            <a:off x="7144980" y="3650605"/>
+            <a:ext cx="3732094" cy="707886"/>
           </a:xfrm>
           <a:prstGeom prst="rect">
             <a:avLst/>
           </a:prstGeom>
-          <a:ln>
-            <a:noFill/>
-          </a:ln>
+          <a:noFill/>
         </p:spPr>
         <p:txBody>
-          <a:bodyPr wrap="square" lIns="91440" tIns="45720" rIns="91440" bIns="45720" anchor="t">
+          <a:bodyPr wrap="square" rtlCol="0">
             <a:spAutoFit/>
           </a:bodyPr>
           <a:lstStyle/>
           <a:p>
-            <a:pPr marL="0" marR="0" lvl="0" indent="0" defTabSz="913765" rtl="0" eaLnBrk="1" fontAlgn="auto" latinLnBrk="0" hangingPunct="1">
-              <a:lnSpc>
-                <a:spcPct val="150000"/>
-              </a:lnSpc>
-              <a:spcBef>
-                <a:spcPts val="0"/>
-              </a:spcBef>
-              <a:spcAft>
-                <a:spcPts val="0"/>
-              </a:spcAft>
-              <a:buClrTx/>
-              <a:buSzPct val="25000"/>
-              <a:buFontTx/>
-              <a:buNone/>
-              <a:defRPr/>
-            </a:pPr>
             <a:r>
-              <a:rPr kumimoji="0" lang="zh-CN" altLang="en-US" sz="2000" b="0" i="0" u="none" strike="noStrike" kern="1200" cap="none" spc="0" normalizeH="0" baseline="0" noProof="0" dirty="0">
-                <a:ln>
-                  <a:noFill/>
-                </a:ln>
-                <a:effectLst/>
-                <a:uLnTx/>
-                <a:uFillTx/>
-                <a:latin typeface="+mn-ea"/>
-              </a:rPr>
-              <a:t>优化模型，提高准确率</a:t>
+              <a:rPr lang="zh-CN" altLang="en-US" sz="2000" dirty="0"/>
+              <a:t>构建一个诈骗案情分类数据集和分类系统</a:t>
             </a:r>
-            <a:endParaRPr kumimoji="0" lang="en-US" altLang="zh-CN" sz="2000" b="0" i="0" u="none" strike="noStrike" kern="1200" cap="none" spc="0" normalizeH="0" baseline="0" noProof="0" dirty="0">
-              <a:ln>
-                <a:noFill/>
-              </a:ln>
-              <a:effectLst/>
-              <a:uLnTx/>
-              <a:uFillTx/>
-              <a:latin typeface="+mn-ea"/>
-            </a:endParaRPr>
           </a:p>
         </p:txBody>
       </p:sp>
       <p:sp>
         <p:nvSpPr>
-          <p:cNvPr id="41" name="矩形 40">
+          <p:cNvPr id="9" name="文本框 8">
             <a:extLst>
               <a:ext uri="{FF2B5EF4-FFF2-40B4-BE49-F238E27FC236}">
-                <a16:creationId xmlns:a16="http://schemas.microsoft.com/office/drawing/2014/main" id="{A2D527DB-3E35-211A-38D9-60E0E077E8B7}"/>
+                <a16:creationId xmlns:a16="http://schemas.microsoft.com/office/drawing/2014/main" id="{117A42CD-7A2D-D738-B9A4-5D56044CBD19}"/>
               </a:ext>
             </a:extLst>
           </p:cNvPr>
-          <p:cNvSpPr/>
+          <p:cNvSpPr txBox="1"/>
           <p:nvPr/>
         </p:nvSpPr>
         <p:spPr>
-          <a:xfrm flipH="1">
-            <a:off x="7261720" y="4453123"/>
-            <a:ext cx="3540803" cy="958660"/>
+          <a:xfrm>
+            <a:off x="7144980" y="4640365"/>
+            <a:ext cx="3732094" cy="400110"/>
           </a:xfrm>
           <a:prstGeom prst="rect">
             <a:avLst/>
           </a:prstGeom>
-          <a:ln>
-            <a:noFill/>
-          </a:ln>
+          <a:noFill/>
         </p:spPr>
         <p:txBody>
-          <a:bodyPr wrap="square" lIns="91440" tIns="45720" rIns="91440" bIns="45720" anchor="t">
+          <a:bodyPr wrap="square" rtlCol="0">
             <a:spAutoFit/>
           </a:bodyPr>
           <a:lstStyle/>
           <a:p>
-            <a:pPr marL="0" marR="0" lvl="0" indent="0" defTabSz="913765" rtl="0" eaLnBrk="1" fontAlgn="auto" latinLnBrk="0" hangingPunct="1">
-              <a:lnSpc>
-                <a:spcPct val="150000"/>
-              </a:lnSpc>
-              <a:spcBef>
-                <a:spcPts val="0"/>
-              </a:spcBef>
-              <a:spcAft>
-                <a:spcPts val="0"/>
-              </a:spcAft>
-              <a:buClrTx/>
-              <a:buSzPct val="25000"/>
-              <a:buFontTx/>
-              <a:buNone/>
-              <a:defRPr/>
-            </a:pPr>
             <a:r>
               <a:rPr lang="zh-CN" altLang="en-US" sz="2000" dirty="0"/>
-              <a:t>完善项目的各个流程，撰写好一篇报告</a:t>
+              <a:t>申请软著或发明专利一项</a:t>
             </a:r>
-            <a:endParaRPr kumimoji="0" lang="en-US" altLang="zh-CN" sz="2000" b="0" i="0" u="none" strike="noStrike" kern="1200" cap="none" spc="0" normalizeH="0" baseline="0" noProof="0" dirty="0">
-              <a:ln>
-                <a:noFill/>
-              </a:ln>
-              <a:effectLst/>
-              <a:uLnTx/>
-              <a:uFillTx/>
-            </a:endParaRPr>
           </a:p>
         </p:txBody>
       </p:sp>
@@ -32500,7 +32466,7 @@
           <p:nvPr>
             <p:extLst>
               <p:ext uri="{D42A27DB-BD31-4B8C-83A1-F6EECF244321}">
-                <p14:modId xmlns:p14="http://schemas.microsoft.com/office/powerpoint/2010/main" val="2314268532"/>
+                <p14:modId xmlns:p14="http://schemas.microsoft.com/office/powerpoint/2010/main" val="3676932034"/>
               </p:ext>
             </p:extLst>
           </p:nvPr>
@@ -32611,7 +32577,7 @@
                     <a:p>
                       <a:r>
                         <a:rPr lang="en-US" altLang="zh-CN" dirty="0"/>
-                        <a:t>                           200</a:t>
+                        <a:t>                           300</a:t>
                       </a:r>
                       <a:endParaRPr lang="zh-CN" altLang="en-US" dirty="0"/>
                     </a:p>
@@ -32738,7 +32704,7 @@
             </a:r>
             <a:r>
               <a:rPr lang="en-US" altLang="zh-CN" dirty="0"/>
-              <a:t>650</a:t>
+              <a:t>750</a:t>
             </a:r>
             <a:endParaRPr lang="zh-CN" altLang="en-US" dirty="0"/>
           </a:p>
@@ -34242,7 +34208,7 @@
         <p:fade/>
       </p:transition>
     </mc:Choice>
-    <mc:Fallback xmlns:wp="http://schemas.openxmlformats.org/drawingml/2006/wordprocessingDrawing" xmlns:w="http://schemas.openxmlformats.org/wordprocessingml/2006/main" xmlns:p159="http://schemas.microsoft.com/office/powerpoint/2015/09/main" xmlns:p15="http://schemas.microsoft.com/office/powerpoint/2012/main" xmlns:m="http://schemas.openxmlformats.org/officeDocument/2006/math" xmlns:a14="http://schemas.microsoft.com/office/drawing/2010/main" xmlns="">
+    <mc:Fallback xmlns="" xmlns:a14="http://schemas.microsoft.com/office/drawing/2010/main" xmlns:m="http://schemas.openxmlformats.org/officeDocument/2006/math" xmlns:p15="http://schemas.microsoft.com/office/powerpoint/2012/main" xmlns:p159="http://schemas.microsoft.com/office/powerpoint/2015/09/main" xmlns:w="http://schemas.openxmlformats.org/wordprocessingml/2006/main" xmlns:wp="http://schemas.openxmlformats.org/drawingml/2006/wordprocessingDrawing">
       <p:transition spd="med">
         <p:fade/>
       </p:transition>
@@ -34902,7 +34868,7 @@
                 <a:cs typeface="+mn-ea"/>
                 <a:sym typeface="+mn-lt"/>
               </a:rPr>
-              <a:t>近年来，随着科学技术的快速发展，加之疫情下网络占据越来越重要的地位，诈骗给大家带来了极大的威胁，我们需要对反诈进行新的治理。</a:t>
+              <a:t>近年来，随着科学技术的快速发展，加之疫情下网络占据越来越重要的地位，诈骗给大家带来了极大的威胁，我们需要对诈骗进行新的治理。</a:t>
             </a:r>
             <a:endParaRPr lang="en-US" altLang="zh-CN" sz="1400" dirty="0">
               <a:cs typeface="+mn-ea"/>
@@ -35388,7 +35354,7 @@
         <p:fade/>
       </p:transition>
     </mc:Choice>
-    <mc:Fallback xmlns:wp="http://schemas.openxmlformats.org/drawingml/2006/wordprocessingDrawing" xmlns:w="http://schemas.openxmlformats.org/wordprocessingml/2006/main" xmlns:p159="http://schemas.microsoft.com/office/powerpoint/2015/09/main" xmlns:p15="http://schemas.microsoft.com/office/powerpoint/2012/main" xmlns:m="http://schemas.openxmlformats.org/officeDocument/2006/math" xmlns:a14="http://schemas.microsoft.com/office/drawing/2010/main" xmlns="">
+    <mc:Fallback xmlns="" xmlns:a14="http://schemas.microsoft.com/office/drawing/2010/main" xmlns:m="http://schemas.openxmlformats.org/officeDocument/2006/math" xmlns:p15="http://schemas.microsoft.com/office/powerpoint/2012/main" xmlns:p159="http://schemas.microsoft.com/office/powerpoint/2015/09/main" xmlns:w="http://schemas.openxmlformats.org/wordprocessingml/2006/main" xmlns:wp="http://schemas.openxmlformats.org/drawingml/2006/wordprocessingDrawing">
       <p:transition spd="med">
         <p:fade/>
       </p:transition>
@@ -36868,6 +36834,87 @@
                                   </p:childTnLst>
                                 </p:cTn>
                               </p:par>
+                              <p:par>
+                                <p:cTn id="20" presetID="42" presetClass="entr" presetSubtype="0" fill="hold" grpId="0" nodeType="withEffect">
+                                  <p:stCondLst>
+                                    <p:cond delay="0"/>
+                                  </p:stCondLst>
+                                  <p:childTnLst>
+                                    <p:set>
+                                      <p:cBhvr>
+                                        <p:cTn id="21" dur="1" fill="hold">
+                                          <p:stCondLst>
+                                            <p:cond delay="0"/>
+                                          </p:stCondLst>
+                                        </p:cTn>
+                                        <p:tgtEl>
+                                          <p:spTgt spid="2"/>
+                                        </p:tgtEl>
+                                        <p:attrNameLst>
+                                          <p:attrName>style.visibility</p:attrName>
+                                        </p:attrNameLst>
+                                      </p:cBhvr>
+                                      <p:to>
+                                        <p:strVal val="visible"/>
+                                      </p:to>
+                                    </p:set>
+                                    <p:animEffect transition="in" filter="fade">
+                                      <p:cBhvr>
+                                        <p:cTn id="22" dur="1000"/>
+                                        <p:tgtEl>
+                                          <p:spTgt spid="2"/>
+                                        </p:tgtEl>
+                                      </p:cBhvr>
+                                    </p:animEffect>
+                                    <p:anim calcmode="lin" valueType="num">
+                                      <p:cBhvr>
+                                        <p:cTn id="23" dur="1000" fill="hold"/>
+                                        <p:tgtEl>
+                                          <p:spTgt spid="2"/>
+                                        </p:tgtEl>
+                                        <p:attrNameLst>
+                                          <p:attrName>ppt_x</p:attrName>
+                                        </p:attrNameLst>
+                                      </p:cBhvr>
+                                      <p:tavLst>
+                                        <p:tav tm="0">
+                                          <p:val>
+                                            <p:strVal val="#ppt_x"/>
+                                          </p:val>
+                                        </p:tav>
+                                        <p:tav tm="100000">
+                                          <p:val>
+                                            <p:strVal val="#ppt_x"/>
+                                          </p:val>
+                                        </p:tav>
+                                      </p:tavLst>
+                                    </p:anim>
+                                    <p:anim calcmode="lin" valueType="num">
+                                      <p:cBhvr>
+                                        <p:cTn id="24" dur="1000" fill="hold"/>
+                                        <p:tgtEl>
+                                          <p:spTgt spid="2"/>
+                                        </p:tgtEl>
+                                        <p:attrNameLst>
+                                          <p:attrName>ppt_y</p:attrName>
+                                        </p:attrNameLst>
+                                      </p:cBhvr>
+                                      <p:tavLst>
+                                        <p:tav tm="0">
+                                          <p:val>
+                                            <p:strVal val="#ppt_y+.1"/>
+                                          </p:val>
+                                        </p:tav>
+                                        <p:tav tm="100000">
+                                          <p:val>
+                                            <p:strVal val="#ppt_y"/>
+                                          </p:val>
+                                        </p:tav>
+                                      </p:tavLst>
+                                    </p:anim>
+                                  </p:childTnLst>
+                                </p:cTn>
+                              </p:par>
                             </p:childTnLst>
                           </p:cTn>
                         </p:par>
@@ -36875,26 +36922,26 @@
                     </p:cTn>
                   </p:par>
                   <p:par>
-                    <p:cTn id="20" fill="hold">
+                    <p:cTn id="25" fill="hold">
                       <p:stCondLst>
                         <p:cond delay="indefinite"/>
                       </p:stCondLst>
                       <p:childTnLst>
                         <p:par>
-                          <p:cTn id="21" fill="hold">
+                          <p:cTn id="26" fill="hold">
                             <p:stCondLst>
                               <p:cond delay="0"/>
                             </p:stCondLst>
                             <p:childTnLst>
                               <p:par>
-                                <p:cTn id="22" presetID="42" presetClass="entr" presetSubtype="0" fill="hold" grpId="0" nodeType="clickEffect">
+                                <p:cTn id="27" presetID="42" presetClass="entr" presetSubtype="0" fill="hold" grpId="0" nodeType="clickEffect">
                                   <p:stCondLst>
                                     <p:cond delay="0"/>
                                   </p:stCondLst>
                                   <p:childTnLst>
                                     <p:set>
                                       <p:cBhvr>
-                                        <p:cTn id="23" dur="1" fill="hold">
+                                        <p:cTn id="28" dur="1" fill="hold">
                                           <p:stCondLst>
                                             <p:cond delay="0"/>
                                           </p:stCondLst>
@@ -36912,7 +36959,7 @@
                                     </p:set>
                                     <p:animEffect transition="in" filter="fade">
                                       <p:cBhvr>
-                                        <p:cTn id="24" dur="1000"/>
+                                        <p:cTn id="29" dur="1000"/>
                                         <p:tgtEl>
                                           <p:spTgt spid="13"/>
                                         </p:tgtEl>
@@ -36920,7 +36967,7 @@
                                     </p:animEffect>
                                     <p:anim calcmode="lin" valueType="num">
                                       <p:cBhvr>
-                                        <p:cTn id="25" dur="1000" fill="hold"/>
+                                        <p:cTn id="30" dur="1000" fill="hold"/>
                                         <p:tgtEl>
                                           <p:spTgt spid="13"/>
                                         </p:tgtEl>
@@ -36943,90 +36990,9 @@
                                     </p:anim>
                                     <p:anim calcmode="lin" valueType="num">
                                       <p:cBhvr>
-                                        <p:cTn id="26" dur="1000" fill="hold"/>
+                                        <p:cTn id="31" dur="1000" fill="hold"/>
                                         <p:tgtEl>
                                           <p:spTgt spid="13"/>
-                                        </p:tgtEl>
-                                        <p:attrNameLst>
-                                          <p:attrName>ppt_y</p:attrName>
-                                        </p:attrNameLst>
-                                      </p:cBhvr>
-                                      <p:tavLst>
-                                        <p:tav tm="0">
-                                          <p:val>
-                                            <p:strVal val="#ppt_y+.1"/>
-                                          </p:val>
-                                        </p:tav>
-                                        <p:tav tm="100000">
-                                          <p:val>
-                                            <p:strVal val="#ppt_y"/>
-                                          </p:val>
-                                        </p:tav>
-                                      </p:tavLst>
-                                    </p:anim>
-                                  </p:childTnLst>
-                                </p:cTn>
-                              </p:par>
-                              <p:par>
-                                <p:cTn id="27" presetID="42" presetClass="entr" presetSubtype="0" fill="hold" grpId="0" nodeType="withEffect">
-                                  <p:stCondLst>
-                                    <p:cond delay="0"/>
-                                  </p:stCondLst>
-                                  <p:childTnLst>
-                                    <p:set>
-                                      <p:cBhvr>
-                                        <p:cTn id="28" dur="1" fill="hold">
-                                          <p:stCondLst>
-                                            <p:cond delay="0"/>
-                                          </p:stCondLst>
-                                        </p:cTn>
-                                        <p:tgtEl>
-                                          <p:spTgt spid="23"/>
-                                        </p:tgtEl>
-                                        <p:attrNameLst>
-                                          <p:attrName>style.visibility</p:attrName>
-                                        </p:attrNameLst>
-                                      </p:cBhvr>
-                                      <p:to>
-                                        <p:strVal val="visible"/>
-                                      </p:to>
-                                    </p:set>
-                                    <p:animEffect transition="in" filter="fade">
-                                      <p:cBhvr>
-                                        <p:cTn id="29" dur="1000"/>
-                                        <p:tgtEl>
-                                          <p:spTgt spid="23"/>
-                                        </p:tgtEl>
-                                      </p:cBhvr>
-                                    </p:animEffect>
-                                    <p:anim calcmode="lin" valueType="num">
-                                      <p:cBhvr>
-                                        <p:cTn id="30" dur="1000" fill="hold"/>
-                                        <p:tgtEl>
-                                          <p:spTgt spid="23"/>
-                                        </p:tgtEl>
-                                        <p:attrNameLst>
-                                          <p:attrName>ppt_x</p:attrName>
-                                        </p:attrNameLst>
-                                      </p:cBhvr>
-                                      <p:tavLst>
-                                        <p:tav tm="0">
-                                          <p:val>
-                                            <p:strVal val="#ppt_x"/>
-                                          </p:val>
-                                        </p:tav>
-                                        <p:tav tm="100000">
-                                          <p:val>
-                                            <p:strVal val="#ppt_x"/>
-                                          </p:val>
-                                        </p:tav>
-                                      </p:tavLst>
-                                    </p:anim>
-                                    <p:anim calcmode="lin" valueType="num">
-                                      <p:cBhvr>
-                                        <p:cTn id="31" dur="1000" fill="hold"/>
-                                        <p:tgtEl>
-                                          <p:spTgt spid="23"/>
                                         </p:tgtEl>
                                         <p:attrNameLst>
                                           <p:attrName>ppt_y</p:attrName>
@@ -37062,7 +37028,7 @@
                                           </p:stCondLst>
                                         </p:cTn>
                                         <p:tgtEl>
-                                          <p:spTgt spid="25"/>
+                                          <p:spTgt spid="23"/>
                                         </p:tgtEl>
                                         <p:attrNameLst>
                                           <p:attrName>style.visibility</p:attrName>
@@ -37076,7 +37042,7 @@
                                       <p:cBhvr>
                                         <p:cTn id="34" dur="1000"/>
                                         <p:tgtEl>
-                                          <p:spTgt spid="25"/>
+                                          <p:spTgt spid="23"/>
                                         </p:tgtEl>
                                       </p:cBhvr>
                                     </p:animEffect>
@@ -37084,7 +37050,7 @@
                                       <p:cBhvr>
                                         <p:cTn id="35" dur="1000" fill="hold"/>
                                         <p:tgtEl>
-                                          <p:spTgt spid="25"/>
+                                          <p:spTgt spid="23"/>
                                         </p:tgtEl>
                                         <p:attrNameLst>
                                           <p:attrName>ppt_x</p:attrName>
@@ -37107,7 +37073,7 @@
                                       <p:cBhvr>
                                         <p:cTn id="36" dur="1000" fill="hold"/>
                                         <p:tgtEl>
-                                          <p:spTgt spid="25"/>
+                                          <p:spTgt spid="23"/>
                                         </p:tgtEl>
                                         <p:attrNameLst>
                                           <p:attrName>ppt_y</p:attrName>
@@ -37143,7 +37109,7 @@
                                           </p:stCondLst>
                                         </p:cTn>
                                         <p:tgtEl>
-                                          <p:spTgt spid="48"/>
+                                          <p:spTgt spid="25"/>
                                         </p:tgtEl>
                                         <p:attrNameLst>
                                           <p:attrName>style.visibility</p:attrName>
@@ -37157,13 +37123,94 @@
                                       <p:cBhvr>
                                         <p:cTn id="39" dur="1000"/>
                                         <p:tgtEl>
+                                          <p:spTgt spid="25"/>
+                                        </p:tgtEl>
+                                      </p:cBhvr>
+                                    </p:animEffect>
+                                    <p:anim calcmode="lin" valueType="num">
+                                      <p:cBhvr>
+                                        <p:cTn id="40" dur="1000" fill="hold"/>
+                                        <p:tgtEl>
+                                          <p:spTgt spid="25"/>
+                                        </p:tgtEl>
+                                        <p:attrNameLst>
+                                          <p:attrName>ppt_x</p:attrName>
+                                        </p:attrNameLst>
+                                      </p:cBhvr>
+                                      <p:tavLst>
+                                        <p:tav tm="0">
+                                          <p:val>
+                                            <p:strVal val="#ppt_x"/>
+                                          </p:val>
+                                        </p:tav>
+                                        <p:tav tm="100000">
+                                          <p:val>
+                                            <p:strVal val="#ppt_x"/>
+                                          </p:val>
+                                        </p:tav>
+                                      </p:tavLst>
+                                    </p:anim>
+                                    <p:anim calcmode="lin" valueType="num">
+                                      <p:cBhvr>
+                                        <p:cTn id="41" dur="1000" fill="hold"/>
+                                        <p:tgtEl>
+                                          <p:spTgt spid="25"/>
+                                        </p:tgtEl>
+                                        <p:attrNameLst>
+                                          <p:attrName>ppt_y</p:attrName>
+                                        </p:attrNameLst>
+                                      </p:cBhvr>
+                                      <p:tavLst>
+                                        <p:tav tm="0">
+                                          <p:val>
+                                            <p:strVal val="#ppt_y+.1"/>
+                                          </p:val>
+                                        </p:tav>
+                                        <p:tav tm="100000">
+                                          <p:val>
+                                            <p:strVal val="#ppt_y"/>
+                                          </p:val>
+                                        </p:tav>
+                                      </p:tavLst>
+                                    </p:anim>
+                                  </p:childTnLst>
+                                </p:cTn>
+                              </p:par>
+                              <p:par>
+                                <p:cTn id="42" presetID="42" presetClass="entr" presetSubtype="0" fill="hold" grpId="0" nodeType="withEffect">
+                                  <p:stCondLst>
+                                    <p:cond delay="0"/>
+                                  </p:stCondLst>
+                                  <p:childTnLst>
+                                    <p:set>
+                                      <p:cBhvr>
+                                        <p:cTn id="43" dur="1" fill="hold">
+                                          <p:stCondLst>
+                                            <p:cond delay="0"/>
+                                          </p:stCondLst>
+                                        </p:cTn>
+                                        <p:tgtEl>
+                                          <p:spTgt spid="48"/>
+                                        </p:tgtEl>
+                                        <p:attrNameLst>
+                                          <p:attrName>style.visibility</p:attrName>
+                                        </p:attrNameLst>
+                                      </p:cBhvr>
+                                      <p:to>
+                                        <p:strVal val="visible"/>
+                                      </p:to>
+                                    </p:set>
+                                    <p:animEffect transition="in" filter="fade">
+                                      <p:cBhvr>
+                                        <p:cTn id="44" dur="1000"/>
+                                        <p:tgtEl>
                                           <p:spTgt spid="48"/>
                                         </p:tgtEl>
                                       </p:cBhvr>
                                     </p:animEffect>
                                     <p:anim calcmode="lin" valueType="num">
                                       <p:cBhvr>
-                                        <p:cTn id="40" dur="1000" fill="hold"/>
+                                        <p:cTn id="45" dur="1000" fill="hold"/>
                                         <p:tgtEl>
                                           <p:spTgt spid="48"/>
                                         </p:tgtEl>
@@ -37186,7 +37233,7 @@
                                     </p:anim>
                                     <p:anim calcmode="lin" valueType="num">
                                       <p:cBhvr>
-                                        <p:cTn id="41" dur="1000" fill="hold"/>
+                                        <p:cTn id="46" dur="1000" fill="hold"/>
                                         <p:tgtEl>
                                           <p:spTgt spid="48"/>
                                         </p:tgtEl>
@@ -37217,26 +37264,26 @@
                     </p:cTn>
                   </p:par>
                   <p:par>
-                    <p:cTn id="42" fill="hold">
+                    <p:cTn id="47" fill="hold">
                       <p:stCondLst>
                         <p:cond delay="indefinite"/>
                       </p:stCondLst>
                       <p:childTnLst>
                         <p:par>
-                          <p:cTn id="43" fill="hold">
+                          <p:cTn id="48" fill="hold">
                             <p:stCondLst>
                               <p:cond delay="0"/>
                             </p:stCondLst>
                             <p:childTnLst>
                               <p:par>
-                                <p:cTn id="44" presetID="42" presetClass="entr" presetSubtype="0" fill="hold" grpId="0" nodeType="clickEffect">
+                                <p:cTn id="49" presetID="42" presetClass="entr" presetSubtype="0" fill="hold" grpId="0" nodeType="clickEffect">
                                   <p:stCondLst>
                                     <p:cond delay="0"/>
                                   </p:stCondLst>
                                   <p:childTnLst>
                                     <p:set>
                                       <p:cBhvr>
-                                        <p:cTn id="45" dur="1" fill="hold">
+                                        <p:cTn id="50" dur="1" fill="hold">
                                           <p:stCondLst>
                                             <p:cond delay="0"/>
                                           </p:stCondLst>
@@ -37254,7 +37301,7 @@
                                     </p:set>
                                     <p:animEffect transition="in" filter="fade">
                                       <p:cBhvr>
-                                        <p:cTn id="46" dur="1000"/>
+                                        <p:cTn id="51" dur="1000"/>
                                         <p:tgtEl>
                                           <p:spTgt spid="14"/>
                                         </p:tgtEl>
@@ -37262,7 +37309,7 @@
                                     </p:animEffect>
                                     <p:anim calcmode="lin" valueType="num">
                                       <p:cBhvr>
-                                        <p:cTn id="47" dur="1000" fill="hold"/>
+                                        <p:cTn id="52" dur="1000" fill="hold"/>
                                         <p:tgtEl>
                                           <p:spTgt spid="14"/>
                                         </p:tgtEl>
@@ -37285,90 +37332,9 @@
                                     </p:anim>
                                     <p:anim calcmode="lin" valueType="num">
                                       <p:cBhvr>
-                                        <p:cTn id="48" dur="1000" fill="hold"/>
+                                        <p:cTn id="53" dur="1000" fill="hold"/>
                                         <p:tgtEl>
                                           <p:spTgt spid="14"/>
-                                        </p:tgtEl>
-                                        <p:attrNameLst>
-                                          <p:attrName>ppt_y</p:attrName>
-                                        </p:attrNameLst>
-                                      </p:cBhvr>
-                                      <p:tavLst>
-                                        <p:tav tm="0">
-                                          <p:val>
-                                            <p:strVal val="#ppt_y+.1"/>
-                                          </p:val>
-                                        </p:tav>
-                                        <p:tav tm="100000">
-                                          <p:val>
-                                            <p:strVal val="#ppt_y"/>
-                                          </p:val>
-                                        </p:tav>
-                                      </p:tavLst>
-                                    </p:anim>
-                                  </p:childTnLst>
-                                </p:cTn>
-                              </p:par>
-                              <p:par>
-                                <p:cTn id="49" presetID="42" presetClass="entr" presetSubtype="0" fill="hold" grpId="0" nodeType="withEffect">
-                                  <p:stCondLst>
-                                    <p:cond delay="0"/>
-                                  </p:stCondLst>
-                                  <p:childTnLst>
-                                    <p:set>
-                                      <p:cBhvr>
-                                        <p:cTn id="50" dur="1" fill="hold">
-                                          <p:stCondLst>
-                                            <p:cond delay="0"/>
-                                          </p:stCondLst>
-                                        </p:cTn>
-                                        <p:tgtEl>
-                                          <p:spTgt spid="45"/>
-                                        </p:tgtEl>
-                                        <p:attrNameLst>
-                                          <p:attrName>style.visibility</p:attrName>
-                                        </p:attrNameLst>
-                                      </p:cBhvr>
-                                      <p:to>
-                                        <p:strVal val="visible"/>
-                                      </p:to>
-                                    </p:set>
-                                    <p:animEffect transition="in" filter="fade">
-                                      <p:cBhvr>
-                                        <p:cTn id="51" dur="1000"/>
-                                        <p:tgtEl>
-                                          <p:spTgt spid="45"/>
-                                        </p:tgtEl>
-                                      </p:cBhvr>
-                                    </p:animEffect>
-                                    <p:anim calcmode="lin" valueType="num">
-                                      <p:cBhvr>
-                                        <p:cTn id="52" dur="1000" fill="hold"/>
-                                        <p:tgtEl>
-                                          <p:spTgt spid="45"/>
-                                        </p:tgtEl>
-                                        <p:attrNameLst>
-                                          <p:attrName>ppt_x</p:attrName>
-                                        </p:attrNameLst>
-                                      </p:cBhvr>
-                                      <p:tavLst>
-                                        <p:tav tm="0">
-                                          <p:val>
-                                            <p:strVal val="#ppt_x"/>
-                                          </p:val>
-                                        </p:tav>
-                                        <p:tav tm="100000">
-                                          <p:val>
-                                            <p:strVal val="#ppt_x"/>
-                                          </p:val>
-                                        </p:tav>
-                                      </p:tavLst>
-                                    </p:anim>
-                                    <p:anim calcmode="lin" valueType="num">
-                                      <p:cBhvr>
-                                        <p:cTn id="53" dur="1000" fill="hold"/>
-                                        <p:tgtEl>
-                                          <p:spTgt spid="45"/>
                                         </p:tgtEl>
                                         <p:attrNameLst>
                                           <p:attrName>ppt_y</p:attrName>
@@ -37404,7 +37370,7 @@
                                           </p:stCondLst>
                                         </p:cTn>
                                         <p:tgtEl>
-                                          <p:spTgt spid="26"/>
+                                          <p:spTgt spid="45"/>
                                         </p:tgtEl>
                                         <p:attrNameLst>
                                           <p:attrName>style.visibility</p:attrName>
@@ -37418,7 +37384,7 @@
                                       <p:cBhvr>
                                         <p:cTn id="56" dur="1000"/>
                                         <p:tgtEl>
-                                          <p:spTgt spid="26"/>
+                                          <p:spTgt spid="45"/>
                                         </p:tgtEl>
                                       </p:cBhvr>
                                     </p:animEffect>
@@ -37426,7 +37392,7 @@
                                       <p:cBhvr>
                                         <p:cTn id="57" dur="1000" fill="hold"/>
                                         <p:tgtEl>
-                                          <p:spTgt spid="26"/>
+                                          <p:spTgt spid="45"/>
                                         </p:tgtEl>
                                         <p:attrNameLst>
                                           <p:attrName>ppt_x</p:attrName>
@@ -37449,7 +37415,7 @@
                                       <p:cBhvr>
                                         <p:cTn id="58" dur="1000" fill="hold"/>
                                         <p:tgtEl>
-                                          <p:spTgt spid="26"/>
+                                          <p:spTgt spid="45"/>
                                         </p:tgtEl>
                                         <p:attrNameLst>
                                           <p:attrName>ppt_y</p:attrName>
@@ -37485,7 +37451,7 @@
                                           </p:stCondLst>
                                         </p:cTn>
                                         <p:tgtEl>
-                                          <p:spTgt spid="28"/>
+                                          <p:spTgt spid="26"/>
                                         </p:tgtEl>
                                         <p:attrNameLst>
                                           <p:attrName>style.visibility</p:attrName>
@@ -37499,7 +37465,7 @@
                                       <p:cBhvr>
                                         <p:cTn id="61" dur="1000"/>
                                         <p:tgtEl>
-                                          <p:spTgt spid="28"/>
+                                          <p:spTgt spid="26"/>
                                         </p:tgtEl>
                                       </p:cBhvr>
                                     </p:animEffect>
@@ -37507,7 +37473,7 @@
                                       <p:cBhvr>
                                         <p:cTn id="62" dur="1000" fill="hold"/>
                                         <p:tgtEl>
-                                          <p:spTgt spid="28"/>
+                                          <p:spTgt spid="26"/>
                                         </p:tgtEl>
                                         <p:attrNameLst>
                                           <p:attrName>ppt_x</p:attrName>
@@ -37530,7 +37496,7 @@
                                       <p:cBhvr>
                                         <p:cTn id="63" dur="1000" fill="hold"/>
                                         <p:tgtEl>
-                                          <p:spTgt spid="28"/>
+                                          <p:spTgt spid="26"/>
                                         </p:tgtEl>
                                         <p:attrNameLst>
                                           <p:attrName>ppt_y</p:attrName>
@@ -37566,7 +37532,7 @@
                                           </p:stCondLst>
                                         </p:cTn>
                                         <p:tgtEl>
-                                          <p:spTgt spid="49"/>
+                                          <p:spTgt spid="28"/>
                                         </p:tgtEl>
                                         <p:attrNameLst>
                                           <p:attrName>style.visibility</p:attrName>
@@ -37580,13 +37546,94 @@
                                       <p:cBhvr>
                                         <p:cTn id="66" dur="1000"/>
                                         <p:tgtEl>
+                                          <p:spTgt spid="28"/>
+                                        </p:tgtEl>
+                                      </p:cBhvr>
+                                    </p:animEffect>
+                                    <p:anim calcmode="lin" valueType="num">
+                                      <p:cBhvr>
+                                        <p:cTn id="67" dur="1000" fill="hold"/>
+                                        <p:tgtEl>
+                                          <p:spTgt spid="28"/>
+                                        </p:tgtEl>
+                                        <p:attrNameLst>
+                                          <p:attrName>ppt_x</p:attrName>
+                                        </p:attrNameLst>
+                                      </p:cBhvr>
+                                      <p:tavLst>
+                                        <p:tav tm="0">
+                                          <p:val>
+                                            <p:strVal val="#ppt_x"/>
+                                          </p:val>
+                                        </p:tav>
+                                        <p:tav tm="100000">
+                                          <p:val>
+                                            <p:strVal val="#ppt_x"/>
+                                          </p:val>
+                                        </p:tav>
+                                      </p:tavLst>
+                                    </p:anim>
+                                    <p:anim calcmode="lin" valueType="num">
+                                      <p:cBhvr>
+                                        <p:cTn id="68" dur="1000" fill="hold"/>
+                                        <p:tgtEl>
+                                          <p:spTgt spid="28"/>
+                                        </p:tgtEl>
+                                        <p:attrNameLst>
+                                          <p:attrName>ppt_y</p:attrName>
+                                        </p:attrNameLst>
+                                      </p:cBhvr>
+                                      <p:tavLst>
+                                        <p:tav tm="0">
+                                          <p:val>
+                                            <p:strVal val="#ppt_y+.1"/>
+                                          </p:val>
+                                        </p:tav>
+                                        <p:tav tm="100000">
+                                          <p:val>
+                                            <p:strVal val="#ppt_y"/>
+                                          </p:val>
+                                        </p:tav>
+                                      </p:tavLst>
+                                    </p:anim>
+                                  </p:childTnLst>
+                                </p:cTn>
+                              </p:par>
+                              <p:par>
+                                <p:cTn id="69" presetID="42" presetClass="entr" presetSubtype="0" fill="hold" grpId="0" nodeType="withEffect">
+                                  <p:stCondLst>
+                                    <p:cond delay="0"/>
+                                  </p:stCondLst>
+                                  <p:childTnLst>
+                                    <p:set>
+                                      <p:cBhvr>
+                                        <p:cTn id="70" dur="1" fill="hold">
+                                          <p:stCondLst>
+                                            <p:cond delay="0"/>
+                                          </p:stCondLst>
+                                        </p:cTn>
+                                        <p:tgtEl>
+                                          <p:spTgt spid="49"/>
+                                        </p:tgtEl>
+                                        <p:attrNameLst>
+                                          <p:attrName>style.visibility</p:attrName>
+                                        </p:attrNameLst>
+                                      </p:cBhvr>
+                                      <p:to>
+                                        <p:strVal val="visible"/>
+                                      </p:to>
+                                    </p:set>
+                                    <p:animEffect transition="in" filter="fade">
+                                      <p:cBhvr>
+                                        <p:cTn id="71" dur="1000"/>
+                                        <p:tgtEl>
                                           <p:spTgt spid="49"/>
                                         </p:tgtEl>
                                       </p:cBhvr>
                                     </p:animEffect>
                                     <p:anim calcmode="lin" valueType="num">
                                       <p:cBhvr>
-                                        <p:cTn id="67" dur="1000" fill="hold"/>
+                                        <p:cTn id="72" dur="1000" fill="hold"/>
                                         <p:tgtEl>
                                           <p:spTgt spid="49"/>
                                         </p:tgtEl>
@@ -37609,7 +37656,7 @@
                                     </p:anim>
                                     <p:anim calcmode="lin" valueType="num">
                                       <p:cBhvr>
-                                        <p:cTn id="68" dur="1000" fill="hold"/>
+                                        <p:cTn id="73" dur="1000" fill="hold"/>
                                         <p:tgtEl>
                                           <p:spTgt spid="49"/>
                                         </p:tgtEl>
@@ -37640,26 +37687,26 @@
                     </p:cTn>
                   </p:par>
                   <p:par>
-                    <p:cTn id="69" fill="hold">
+                    <p:cTn id="74" fill="hold">
                       <p:stCondLst>
                         <p:cond delay="indefinite"/>
                       </p:stCondLst>
                       <p:childTnLst>
                         <p:par>
-                          <p:cTn id="70" fill="hold">
+                          <p:cTn id="75" fill="hold">
                             <p:stCondLst>
                               <p:cond delay="0"/>
                             </p:stCondLst>
                             <p:childTnLst>
                               <p:par>
-                                <p:cTn id="71" presetID="42" presetClass="entr" presetSubtype="0" fill="hold" grpId="0" nodeType="clickEffect">
+                                <p:cTn id="76" presetID="42" presetClass="entr" presetSubtype="0" fill="hold" grpId="0" nodeType="clickEffect">
                                   <p:stCondLst>
                                     <p:cond delay="0"/>
                                   </p:stCondLst>
                                   <p:childTnLst>
                                     <p:set>
                                       <p:cBhvr>
-                                        <p:cTn id="72" dur="1" fill="hold">
+                                        <p:cTn id="77" dur="1" fill="hold">
                                           <p:stCondLst>
                                             <p:cond delay="0"/>
                                           </p:stCondLst>
@@ -37677,7 +37724,7 @@
                                     </p:set>
                                     <p:animEffect transition="in" filter="fade">
                                       <p:cBhvr>
-                                        <p:cTn id="73" dur="1000"/>
+                                        <p:cTn id="78" dur="1000"/>
                                         <p:tgtEl>
                                           <p:spTgt spid="50"/>
                                         </p:tgtEl>
@@ -37685,7 +37732,7 @@
                                     </p:animEffect>
                                     <p:anim calcmode="lin" valueType="num">
                                       <p:cBhvr>
-                                        <p:cTn id="74" dur="1000" fill="hold"/>
+                                        <p:cTn id="79" dur="1000" fill="hold"/>
                                         <p:tgtEl>
                                           <p:spTgt spid="50"/>
                                         </p:tgtEl>
@@ -37708,90 +37755,9 @@
                                     </p:anim>
                                     <p:anim calcmode="lin" valueType="num">
                                       <p:cBhvr>
-                                        <p:cTn id="75" dur="1000" fill="hold"/>
+                                        <p:cTn id="80" dur="1000" fill="hold"/>
                                         <p:tgtEl>
                                           <p:spTgt spid="50"/>
-                                        </p:tgtEl>
-                                        <p:attrNameLst>
-                                          <p:attrName>ppt_y</p:attrName>
-                                        </p:attrNameLst>
-                                      </p:cBhvr>
-                                      <p:tavLst>
-                                        <p:tav tm="0">
-                                          <p:val>
-                                            <p:strVal val="#ppt_y+.1"/>
-                                          </p:val>
-                                        </p:tav>
-                                        <p:tav tm="100000">
-                                          <p:val>
-                                            <p:strVal val="#ppt_y"/>
-                                          </p:val>
-                                        </p:tav>
-                                      </p:tavLst>
-                                    </p:anim>
-                                  </p:childTnLst>
-                                </p:cTn>
-                              </p:par>
-                              <p:par>
-                                <p:cTn id="76" presetID="42" presetClass="entr" presetSubtype="0" fill="hold" grpId="0" nodeType="withEffect">
-                                  <p:stCondLst>
-                                    <p:cond delay="0"/>
-                                  </p:stCondLst>
-                                  <p:childTnLst>
-                                    <p:set>
-                                      <p:cBhvr>
-                                        <p:cTn id="77" dur="1" fill="hold">
-                                          <p:stCondLst>
-                                            <p:cond delay="0"/>
-                                          </p:stCondLst>
-                                        </p:cTn>
-                                        <p:tgtEl>
-                                          <p:spTgt spid="2"/>
-                                        </p:tgtEl>
-                                        <p:attrNameLst>
-                                          <p:attrName>style.visibility</p:attrName>
-                                        </p:attrNameLst>
-                                      </p:cBhvr>
-                                      <p:to>
-                                        <p:strVal val="visible"/>
-                                      </p:to>
-                                    </p:set>
-                                    <p:animEffect transition="in" filter="fade">
-                                      <p:cBhvr>
-                                        <p:cTn id="78" dur="1000"/>
-                                        <p:tgtEl>
-                                          <p:spTgt spid="2"/>
-                                        </p:tgtEl>
-                                      </p:cBhvr>
-                                    </p:animEffect>
-                                    <p:anim calcmode="lin" valueType="num">
-                                      <p:cBhvr>
-                                        <p:cTn id="79" dur="1000" fill="hold"/>
-                                        <p:tgtEl>
-                                          <p:spTgt spid="2"/>
-                                        </p:tgtEl>
-                                        <p:attrNameLst>
-                                          <p:attrName>ppt_x</p:attrName>
-                                        </p:attrNameLst>
-                                      </p:cBhvr>
-                                      <p:tavLst>
-                                        <p:tav tm="0">
-                                          <p:val>
-                                            <p:strVal val="#ppt_x"/>
-                                          </p:val>
-                                        </p:tav>
-                                        <p:tav tm="100000">
-                                          <p:val>
-                                            <p:strVal val="#ppt_x"/>
-                                          </p:val>
-                                        </p:tav>
-                                      </p:tavLst>
-                                    </p:anim>
-                                    <p:anim calcmode="lin" valueType="num">
-                                      <p:cBhvr>
-                                        <p:cTn id="80" dur="1000" fill="hold"/>
-                                        <p:tgtEl>
-                                          <p:spTgt spid="2"/>
                                         </p:tgtEl>
                                         <p:attrNameLst>
                                           <p:attrName>ppt_y</p:attrName>
@@ -40198,7 +40164,7 @@
         <p:fade/>
       </p:transition>
     </mc:Choice>
-    <mc:Fallback xmlns:wp="http://schemas.openxmlformats.org/drawingml/2006/wordprocessingDrawing" xmlns:w="http://schemas.openxmlformats.org/wordprocessingml/2006/main" xmlns:p159="http://schemas.microsoft.com/office/powerpoint/2015/09/main" xmlns:p15="http://schemas.microsoft.com/office/powerpoint/2012/main" xmlns:m="http://schemas.openxmlformats.org/officeDocument/2006/math" xmlns:a14="http://schemas.microsoft.com/office/drawing/2010/main" xmlns="">
+    <mc:Fallback xmlns="" xmlns:a14="http://schemas.microsoft.com/office/drawing/2010/main" xmlns:m="http://schemas.openxmlformats.org/officeDocument/2006/math" xmlns:p15="http://schemas.microsoft.com/office/powerpoint/2012/main" xmlns:p159="http://schemas.microsoft.com/office/powerpoint/2015/09/main" xmlns:w="http://schemas.openxmlformats.org/wordprocessingml/2006/main" xmlns:wp="http://schemas.openxmlformats.org/drawingml/2006/wordprocessingDrawing">
       <p:transition spd="med">
         <p:fade/>
       </p:transition>

--- a/立项.pptx
+++ b/立项.pptx
@@ -3579,7 +3579,7 @@
           <a:p>
             <a:fld id="{99C35035-FFBA-492E-A69E-AC40A460AB4D}" type="datetimeFigureOut">
               <a:rPr lang="zh-CN" altLang="en-US" smtClean="0"/>
-              <a:t>2022/9/17</a:t>
+              <a:t>2022/9/20</a:t>
             </a:fld>
             <a:endParaRPr lang="zh-CN" altLang="en-US"/>
           </a:p>
@@ -4817,7 +4817,7 @@
           <a:p>
             <a:fld id="{48A87A34-81AB-432B-8DAE-1953F412C126}" type="datetimeFigureOut">
               <a:rPr lang="en-US" smtClean="0"/>
-              <a:t>9/17/2022</a:t>
+              <a:t>9/20/2022</a:t>
             </a:fld>
             <a:endParaRPr lang="en-US" dirty="0"/>
           </a:p>
@@ -5142,7 +5142,7 @@
             <a:fld id="{48A87A34-81AB-432B-8DAE-1953F412C126}" type="datetimeFigureOut">
               <a:rPr lang="en-US" smtClean="0"/>
               <a:pPr/>
-              <a:t>9/17/2022</a:t>
+              <a:t>9/20/2022</a:t>
             </a:fld>
             <a:endParaRPr lang="en-US" dirty="0"/>
           </a:p>
@@ -5392,7 +5392,7 @@
             <a:fld id="{48A87A34-81AB-432B-8DAE-1953F412C126}" type="datetimeFigureOut">
               <a:rPr lang="en-US" smtClean="0"/>
               <a:pPr/>
-              <a:t>9/17/2022</a:t>
+              <a:t>9/20/2022</a:t>
             </a:fld>
             <a:endParaRPr lang="en-US" dirty="0"/>
           </a:p>
@@ -5733,7 +5733,7 @@
             <a:fld id="{48A87A34-81AB-432B-8DAE-1953F412C126}" type="datetimeFigureOut">
               <a:rPr lang="en-US" smtClean="0"/>
               <a:pPr/>
-              <a:t>9/17/2022</a:t>
+              <a:t>9/20/2022</a:t>
             </a:fld>
             <a:endParaRPr lang="en-US" dirty="0"/>
           </a:p>
@@ -6082,7 +6082,7 @@
             <a:fld id="{48A87A34-81AB-432B-8DAE-1953F412C126}" type="datetimeFigureOut">
               <a:rPr lang="en-US" smtClean="0"/>
               <a:pPr/>
-              <a:t>9/17/2022</a:t>
+              <a:t>9/20/2022</a:t>
             </a:fld>
             <a:endParaRPr lang="en-US" dirty="0"/>
           </a:p>
@@ -6458,7 +6458,7 @@
             <a:fld id="{48A87A34-81AB-432B-8DAE-1953F412C126}" type="datetimeFigureOut">
               <a:rPr lang="en-US" smtClean="0"/>
               <a:pPr/>
-              <a:t>9/17/2022</a:t>
+              <a:t>9/20/2022</a:t>
             </a:fld>
             <a:endParaRPr lang="en-US" dirty="0"/>
           </a:p>
@@ -6930,7 +6930,7 @@
             <a:fld id="{48A87A34-81AB-432B-8DAE-1953F412C126}" type="datetimeFigureOut">
               <a:rPr lang="en-US" smtClean="0"/>
               <a:pPr/>
-              <a:t>9/17/2022</a:t>
+              <a:t>9/20/2022</a:t>
             </a:fld>
             <a:endParaRPr lang="en-US" dirty="0"/>
           </a:p>
@@ -7136,7 +7136,7 @@
           <a:p>
             <a:fld id="{48A87A34-81AB-432B-8DAE-1953F412C126}" type="datetimeFigureOut">
               <a:rPr lang="en-US" smtClean="0"/>
-              <a:t>9/17/2022</a:t>
+              <a:t>9/20/2022</a:t>
             </a:fld>
             <a:endParaRPr lang="en-US" dirty="0"/>
           </a:p>
@@ -7347,7 +7347,7 @@
           <a:p>
             <a:fld id="{48A87A34-81AB-432B-8DAE-1953F412C126}" type="datetimeFigureOut">
               <a:rPr lang="en-US" smtClean="0"/>
-              <a:t>9/17/2022</a:t>
+              <a:t>9/20/2022</a:t>
             </a:fld>
             <a:endParaRPr lang="en-US" dirty="0"/>
           </a:p>
@@ -7826,7 +7826,7 @@
                 <a:ea typeface="微软雅黑" panose="020B0503020204020204" pitchFamily="34" charset="-122"/>
                 <a:cs typeface="+mn-cs"/>
               </a:rPr>
-              <a:t>2022/9/17</a:t>
+              <a:t>2022/9/20</a:t>
             </a:fld>
             <a:endParaRPr lang="zh-CN" altLang="en-US" strike="noStrike" noProof="1"/>
           </a:p>
@@ -8110,7 +8110,7 @@
           <a:p>
             <a:fld id="{48A87A34-81AB-432B-8DAE-1953F412C126}" type="datetimeFigureOut">
               <a:rPr lang="en-US" smtClean="0"/>
-              <a:t>9/17/2022</a:t>
+              <a:t>9/20/2022</a:t>
             </a:fld>
             <a:endParaRPr lang="en-US" dirty="0"/>
           </a:p>
@@ -8408,7 +8408,7 @@
           <a:p>
             <a:fld id="{48A87A34-81AB-432B-8DAE-1953F412C126}" type="datetimeFigureOut">
               <a:rPr lang="en-US" smtClean="0"/>
-              <a:t>9/17/2022</a:t>
+              <a:t>9/20/2022</a:t>
             </a:fld>
             <a:endParaRPr lang="en-US" dirty="0"/>
           </a:p>
@@ -8802,7 +8802,7 @@
           <a:p>
             <a:fld id="{48A87A34-81AB-432B-8DAE-1953F412C126}" type="datetimeFigureOut">
               <a:rPr lang="en-US" smtClean="0"/>
-              <a:t>9/17/2022</a:t>
+              <a:t>9/20/2022</a:t>
             </a:fld>
             <a:endParaRPr lang="en-US" dirty="0"/>
           </a:p>
@@ -8951,7 +8951,7 @@
           <a:p>
             <a:fld id="{48A87A34-81AB-432B-8DAE-1953F412C126}" type="datetimeFigureOut">
               <a:rPr lang="en-US" smtClean="0"/>
-              <a:t>9/17/2022</a:t>
+              <a:t>9/20/2022</a:t>
             </a:fld>
             <a:endParaRPr lang="en-US" dirty="0"/>
           </a:p>
@@ -9077,7 +9077,7 @@
           <a:p>
             <a:fld id="{48A87A34-81AB-432B-8DAE-1953F412C126}" type="datetimeFigureOut">
               <a:rPr lang="en-US" smtClean="0"/>
-              <a:t>9/17/2022</a:t>
+              <a:t>9/20/2022</a:t>
             </a:fld>
             <a:endParaRPr lang="en-US" dirty="0"/>
           </a:p>
@@ -9332,7 +9332,7 @@
           <a:p>
             <a:fld id="{48A87A34-81AB-432B-8DAE-1953F412C126}" type="datetimeFigureOut">
               <a:rPr lang="en-US" smtClean="0"/>
-              <a:t>9/17/2022</a:t>
+              <a:t>9/20/2022</a:t>
             </a:fld>
             <a:endParaRPr lang="en-US" dirty="0"/>
           </a:p>
@@ -9648,7 +9648,7 @@
             <a:fld id="{48A87A34-81AB-432B-8DAE-1953F412C126}" type="datetimeFigureOut">
               <a:rPr lang="en-US" smtClean="0"/>
               <a:pPr/>
-              <a:t>9/17/2022</a:t>
+              <a:t>9/20/2022</a:t>
             </a:fld>
             <a:endParaRPr lang="en-US" dirty="0"/>
           </a:p>
@@ -10000,7 +10000,7 @@
             <a:fld id="{48A87A34-81AB-432B-8DAE-1953F412C126}" type="datetimeFigureOut">
               <a:rPr lang="en-US" smtClean="0"/>
               <a:pPr/>
-              <a:t>9/17/2022</a:t>
+              <a:t>9/20/2022</a:t>
             </a:fld>
             <a:endParaRPr lang="en-US" dirty="0"/>
           </a:p>
@@ -11228,7 +11228,7 @@
                 <a:latin typeface="+mj-ea"/>
                 <a:ea typeface="+mj-ea"/>
               </a:rPr>
-              <a:t>完成较好的可视化，做好诈骗案情分析</a:t>
+              <a:t>完成较好的可视化，做好诈骗案情分析识别</a:t>
             </a:r>
             <a:endParaRPr lang="en-US" altLang="zh-CN" sz="2000" dirty="0">
               <a:latin typeface="+mj-ea"/>
@@ -11287,7 +11287,7 @@
                 <a:latin typeface="+mj-ea"/>
                 <a:ea typeface="+mj-ea"/>
               </a:rPr>
-              <a:t>，同时最好将分类机器人嵌入，部署上服务器</a:t>
+              <a:t>，将分类机器人嵌入，部署上服务器</a:t>
             </a:r>
             <a:endParaRPr lang="en-US" altLang="zh-CN" sz="2000" dirty="0">
               <a:latin typeface="+mj-ea"/>
@@ -31647,454 +31647,6 @@
   <p:clrMapOvr>
     <a:masterClrMapping/>
   </p:clrMapOvr>
-  <p:timing>
-    <p:tnLst>
-      <p:par>
-        <p:cTn id="1" dur="indefinite" restart="never" nodeType="tmRoot">
-          <p:childTnLst>
-            <p:seq concurrent="1" nextAc="seek">
-              <p:cTn id="2" dur="indefinite" nodeType="mainSeq">
-                <p:childTnLst>
-                  <p:par>
-                    <p:cTn id="3" fill="hold">
-                      <p:stCondLst>
-                        <p:cond delay="indefinite"/>
-                        <p:cond evt="onBegin" delay="0">
-                          <p:tn val="2"/>
-                        </p:cond>
-                      </p:stCondLst>
-                      <p:childTnLst>
-                        <p:par>
-                          <p:cTn id="4" fill="hold">
-                            <p:stCondLst>
-                              <p:cond delay="0"/>
-                            </p:stCondLst>
-                            <p:childTnLst>
-                              <p:par>
-                                <p:cTn id="5" presetID="10" presetClass="entr" presetSubtype="0" fill="hold" nodeType="afterEffect">
-                                  <p:stCondLst>
-                                    <p:cond delay="0"/>
-                                  </p:stCondLst>
-                                  <p:childTnLst>
-                                    <p:set>
-                                      <p:cBhvr>
-                                        <p:cTn id="6" dur="1" fill="hold">
-                                          <p:stCondLst>
-                                            <p:cond delay="0"/>
-                                          </p:stCondLst>
-                                        </p:cTn>
-                                        <p:tgtEl>
-                                          <p:spTgt spid="10"/>
-                                        </p:tgtEl>
-                                        <p:attrNameLst>
-                                          <p:attrName>style.visibility</p:attrName>
-                                        </p:attrNameLst>
-                                      </p:cBhvr>
-                                      <p:to>
-                                        <p:strVal val="visible"/>
-                                      </p:to>
-                                    </p:set>
-                                    <p:animEffect transition="in" filter="fade">
-                                      <p:cBhvr>
-                                        <p:cTn id="7" dur="500"/>
-                                        <p:tgtEl>
-                                          <p:spTgt spid="10"/>
-                                        </p:tgtEl>
-                                      </p:cBhvr>
-                                    </p:animEffect>
-                                  </p:childTnLst>
-                                </p:cTn>
-                              </p:par>
-                            </p:childTnLst>
-                          </p:cTn>
-                        </p:par>
-                        <p:par>
-                          <p:cTn id="8" fill="hold">
-                            <p:stCondLst>
-                              <p:cond delay="500"/>
-                            </p:stCondLst>
-                            <p:childTnLst>
-                              <p:par>
-                                <p:cTn id="9" presetID="10" presetClass="entr" presetSubtype="0" fill="hold" grpId="0" nodeType="afterEffect">
-                                  <p:stCondLst>
-                                    <p:cond delay="0"/>
-                                  </p:stCondLst>
-                                  <p:childTnLst>
-                                    <p:set>
-                                      <p:cBhvr>
-                                        <p:cTn id="10" dur="1" fill="hold">
-                                          <p:stCondLst>
-                                            <p:cond delay="0"/>
-                                          </p:stCondLst>
-                                        </p:cTn>
-                                        <p:tgtEl>
-                                          <p:spTgt spid="11"/>
-                                        </p:tgtEl>
-                                        <p:attrNameLst>
-                                          <p:attrName>style.visibility</p:attrName>
-                                        </p:attrNameLst>
-                                      </p:cBhvr>
-                                      <p:to>
-                                        <p:strVal val="visible"/>
-                                      </p:to>
-                                    </p:set>
-                                    <p:animEffect transition="in" filter="fade">
-                                      <p:cBhvr>
-                                        <p:cTn id="11" dur="500"/>
-                                        <p:tgtEl>
-                                          <p:spTgt spid="11"/>
-                                        </p:tgtEl>
-                                      </p:cBhvr>
-                                    </p:animEffect>
-                                  </p:childTnLst>
-                                </p:cTn>
-                              </p:par>
-                            </p:childTnLst>
-                          </p:cTn>
-                        </p:par>
-                        <p:par>
-                          <p:cTn id="12" fill="hold">
-                            <p:stCondLst>
-                              <p:cond delay="1000"/>
-                            </p:stCondLst>
-                            <p:childTnLst>
-                              <p:par>
-                                <p:cTn id="13" presetID="10" presetClass="entr" presetSubtype="0" fill="hold" grpId="0" nodeType="afterEffect">
-                                  <p:stCondLst>
-                                    <p:cond delay="0"/>
-                                  </p:stCondLst>
-                                  <p:childTnLst>
-                                    <p:set>
-                                      <p:cBhvr>
-                                        <p:cTn id="14" dur="1" fill="hold">
-                                          <p:stCondLst>
-                                            <p:cond delay="0"/>
-                                          </p:stCondLst>
-                                        </p:cTn>
-                                        <p:tgtEl>
-                                          <p:spTgt spid="12"/>
-                                        </p:tgtEl>
-                                        <p:attrNameLst>
-                                          <p:attrName>style.visibility</p:attrName>
-                                        </p:attrNameLst>
-                                      </p:cBhvr>
-                                      <p:to>
-                                        <p:strVal val="visible"/>
-                                      </p:to>
-                                    </p:set>
-                                    <p:animEffect transition="in" filter="fade">
-                                      <p:cBhvr>
-                                        <p:cTn id="15" dur="500"/>
-                                        <p:tgtEl>
-                                          <p:spTgt spid="12"/>
-                                        </p:tgtEl>
-                                      </p:cBhvr>
-                                    </p:animEffect>
-                                  </p:childTnLst>
-                                </p:cTn>
-                              </p:par>
-                            </p:childTnLst>
-                          </p:cTn>
-                        </p:par>
-                        <p:par>
-                          <p:cTn id="16" fill="hold">
-                            <p:stCondLst>
-                              <p:cond delay="1500"/>
-                            </p:stCondLst>
-                            <p:childTnLst>
-                              <p:par>
-                                <p:cTn id="17" presetID="10" presetClass="entr" presetSubtype="0" fill="hold" grpId="0" nodeType="afterEffect">
-                                  <p:stCondLst>
-                                    <p:cond delay="0"/>
-                                  </p:stCondLst>
-                                  <p:childTnLst>
-                                    <p:set>
-                                      <p:cBhvr>
-                                        <p:cTn id="18" dur="1" fill="hold">
-                                          <p:stCondLst>
-                                            <p:cond delay="0"/>
-                                          </p:stCondLst>
-                                        </p:cTn>
-                                        <p:tgtEl>
-                                          <p:spTgt spid="13"/>
-                                        </p:tgtEl>
-                                        <p:attrNameLst>
-                                          <p:attrName>style.visibility</p:attrName>
-                                        </p:attrNameLst>
-                                      </p:cBhvr>
-                                      <p:to>
-                                        <p:strVal val="visible"/>
-                                      </p:to>
-                                    </p:set>
-                                    <p:animEffect transition="in" filter="fade">
-                                      <p:cBhvr>
-                                        <p:cTn id="19" dur="500"/>
-                                        <p:tgtEl>
-                                          <p:spTgt spid="13"/>
-                                        </p:tgtEl>
-                                      </p:cBhvr>
-                                    </p:animEffect>
-                                  </p:childTnLst>
-                                </p:cTn>
-                              </p:par>
-                            </p:childTnLst>
-                          </p:cTn>
-                        </p:par>
-                        <p:par>
-                          <p:cTn id="20" fill="hold">
-                            <p:stCondLst>
-                              <p:cond delay="2000"/>
-                            </p:stCondLst>
-                            <p:childTnLst>
-                              <p:par>
-                                <p:cTn id="21" presetID="10" presetClass="entr" presetSubtype="0" fill="hold" grpId="0" nodeType="afterEffect">
-                                  <p:stCondLst>
-                                    <p:cond delay="0"/>
-                                  </p:stCondLst>
-                                  <p:childTnLst>
-                                    <p:set>
-                                      <p:cBhvr>
-                                        <p:cTn id="22" dur="1" fill="hold">
-                                          <p:stCondLst>
-                                            <p:cond delay="0"/>
-                                          </p:stCondLst>
-                                        </p:cTn>
-                                        <p:tgtEl>
-                                          <p:spTgt spid="14"/>
-                                        </p:tgtEl>
-                                        <p:attrNameLst>
-                                          <p:attrName>style.visibility</p:attrName>
-                                        </p:attrNameLst>
-                                      </p:cBhvr>
-                                      <p:to>
-                                        <p:strVal val="visible"/>
-                                      </p:to>
-                                    </p:set>
-                                    <p:animEffect transition="in" filter="fade">
-                                      <p:cBhvr>
-                                        <p:cTn id="23" dur="500"/>
-                                        <p:tgtEl>
-                                          <p:spTgt spid="14"/>
-                                        </p:tgtEl>
-                                      </p:cBhvr>
-                                    </p:animEffect>
-                                  </p:childTnLst>
-                                </p:cTn>
-                              </p:par>
-                            </p:childTnLst>
-                          </p:cTn>
-                        </p:par>
-                        <p:par>
-                          <p:cTn id="24" fill="hold">
-                            <p:stCondLst>
-                              <p:cond delay="2500"/>
-                            </p:stCondLst>
-                            <p:childTnLst>
-                              <p:par>
-                                <p:cTn id="25" presetID="10" presetClass="entr" presetSubtype="0" fill="hold" grpId="0" nodeType="afterEffect">
-                                  <p:stCondLst>
-                                    <p:cond delay="0"/>
-                                  </p:stCondLst>
-                                  <p:childTnLst>
-                                    <p:set>
-                                      <p:cBhvr>
-                                        <p:cTn id="26" dur="1" fill="hold">
-                                          <p:stCondLst>
-                                            <p:cond delay="0"/>
-                                          </p:stCondLst>
-                                        </p:cTn>
-                                        <p:tgtEl>
-                                          <p:spTgt spid="16"/>
-                                        </p:tgtEl>
-                                        <p:attrNameLst>
-                                          <p:attrName>style.visibility</p:attrName>
-                                        </p:attrNameLst>
-                                      </p:cBhvr>
-                                      <p:to>
-                                        <p:strVal val="visible"/>
-                                      </p:to>
-                                    </p:set>
-                                    <p:animEffect transition="in" filter="fade">
-                                      <p:cBhvr>
-                                        <p:cTn id="27" dur="500"/>
-                                        <p:tgtEl>
-                                          <p:spTgt spid="16"/>
-                                        </p:tgtEl>
-                                      </p:cBhvr>
-                                    </p:animEffect>
-                                  </p:childTnLst>
-                                </p:cTn>
-                              </p:par>
-                            </p:childTnLst>
-                          </p:cTn>
-                        </p:par>
-                        <p:par>
-                          <p:cTn id="28" fill="hold">
-                            <p:stCondLst>
-                              <p:cond delay="3000"/>
-                            </p:stCondLst>
-                            <p:childTnLst>
-                              <p:par>
-                                <p:cTn id="29" presetID="10" presetClass="entr" presetSubtype="0" fill="hold" grpId="0" nodeType="afterEffect">
-                                  <p:stCondLst>
-                                    <p:cond delay="0"/>
-                                  </p:stCondLst>
-                                  <p:childTnLst>
-                                    <p:set>
-                                      <p:cBhvr>
-                                        <p:cTn id="30" dur="1" fill="hold">
-                                          <p:stCondLst>
-                                            <p:cond delay="0"/>
-                                          </p:stCondLst>
-                                        </p:cTn>
-                                        <p:tgtEl>
-                                          <p:spTgt spid="17"/>
-                                        </p:tgtEl>
-                                        <p:attrNameLst>
-                                          <p:attrName>style.visibility</p:attrName>
-                                        </p:attrNameLst>
-                                      </p:cBhvr>
-                                      <p:to>
-                                        <p:strVal val="visible"/>
-                                      </p:to>
-                                    </p:set>
-                                    <p:animEffect transition="in" filter="fade">
-                                      <p:cBhvr>
-                                        <p:cTn id="31" dur="500"/>
-                                        <p:tgtEl>
-                                          <p:spTgt spid="17"/>
-                                        </p:tgtEl>
-                                      </p:cBhvr>
-                                    </p:animEffect>
-                                  </p:childTnLst>
-                                </p:cTn>
-                              </p:par>
-                            </p:childTnLst>
-                          </p:cTn>
-                        </p:par>
-                        <p:par>
-                          <p:cTn id="32" fill="hold">
-                            <p:stCondLst>
-                              <p:cond delay="3500"/>
-                            </p:stCondLst>
-                            <p:childTnLst>
-                              <p:par>
-                                <p:cTn id="33" presetID="10" presetClass="entr" presetSubtype="0" fill="hold" grpId="0" nodeType="afterEffect">
-                                  <p:stCondLst>
-                                    <p:cond delay="0"/>
-                                  </p:stCondLst>
-                                  <p:childTnLst>
-                                    <p:set>
-                                      <p:cBhvr>
-                                        <p:cTn id="34" dur="1" fill="hold">
-                                          <p:stCondLst>
-                                            <p:cond delay="0"/>
-                                          </p:stCondLst>
-                                        </p:cTn>
-                                        <p:tgtEl>
-                                          <p:spTgt spid="19"/>
-                                        </p:tgtEl>
-                                        <p:attrNameLst>
-                                          <p:attrName>style.visibility</p:attrName>
-                                        </p:attrNameLst>
-                                      </p:cBhvr>
-                                      <p:to>
-                                        <p:strVal val="visible"/>
-                                      </p:to>
-                                    </p:set>
-                                    <p:animEffect transition="in" filter="fade">
-                                      <p:cBhvr>
-                                        <p:cTn id="35" dur="500"/>
-                                        <p:tgtEl>
-                                          <p:spTgt spid="19"/>
-                                        </p:tgtEl>
-                                      </p:cBhvr>
-                                    </p:animEffect>
-                                  </p:childTnLst>
-                                </p:cTn>
-                              </p:par>
-                            </p:childTnLst>
-                          </p:cTn>
-                        </p:par>
-                        <p:par>
-                          <p:cTn id="36" fill="hold">
-                            <p:stCondLst>
-                              <p:cond delay="4000"/>
-                            </p:stCondLst>
-                            <p:childTnLst>
-                              <p:par>
-                                <p:cTn id="37" presetID="10" presetClass="entr" presetSubtype="0" fill="hold" grpId="0" nodeType="afterEffect">
-                                  <p:stCondLst>
-                                    <p:cond delay="0"/>
-                                  </p:stCondLst>
-                                  <p:childTnLst>
-                                    <p:set>
-                                      <p:cBhvr>
-                                        <p:cTn id="38" dur="1" fill="hold">
-                                          <p:stCondLst>
-                                            <p:cond delay="0"/>
-                                          </p:stCondLst>
-                                        </p:cTn>
-                                        <p:tgtEl>
-                                          <p:spTgt spid="20"/>
-                                        </p:tgtEl>
-                                        <p:attrNameLst>
-                                          <p:attrName>style.visibility</p:attrName>
-                                        </p:attrNameLst>
-                                      </p:cBhvr>
-                                      <p:to>
-                                        <p:strVal val="visible"/>
-                                      </p:to>
-                                    </p:set>
-                                    <p:animEffect transition="in" filter="fade">
-                                      <p:cBhvr>
-                                        <p:cTn id="39" dur="500"/>
-                                        <p:tgtEl>
-                                          <p:spTgt spid="20"/>
-                                        </p:tgtEl>
-                                      </p:cBhvr>
-                                    </p:animEffect>
-                                  </p:childTnLst>
-                                </p:cTn>
-                              </p:par>
-                            </p:childTnLst>
-                          </p:cTn>
-                        </p:par>
-                      </p:childTnLst>
-                    </p:cTn>
-                  </p:par>
-                </p:childTnLst>
-              </p:cTn>
-              <p:prevCondLst>
-                <p:cond evt="onPrev" delay="0">
-                  <p:tgtEl>
-                    <p:sldTgt/>
-                  </p:tgtEl>
-                </p:cond>
-              </p:prevCondLst>
-              <p:nextCondLst>
-                <p:cond evt="onNext" delay="0">
-                  <p:tgtEl>
-                    <p:sldTgt/>
-                  </p:tgtEl>
-                </p:cond>
-              </p:nextCondLst>
-            </p:seq>
-          </p:childTnLst>
-        </p:cTn>
-      </p:par>
-    </p:tnLst>
-    <p:bldLst>
-      <p:bldP spid="11" grpId="0" animBg="1"/>
-      <p:bldP spid="12" grpId="0" animBg="1"/>
-      <p:bldP spid="13" grpId="0" animBg="1"/>
-      <p:bldP spid="14" grpId="0" animBg="1"/>
-      <p:bldP spid="16" grpId="0" animBg="1"/>
-      <p:bldP spid="17" grpId="0" animBg="1"/>
-      <p:bldP spid="19" grpId="0" animBg="1"/>
-      <p:bldP spid="20" grpId="0" animBg="1"/>
-    </p:bldLst>
-  </p:timing>
 </p:sld>
 </file>
 
@@ -34208,7 +33760,7 @@
         <p:fade/>
       </p:transition>
     </mc:Choice>
-    <mc:Fallback xmlns="" xmlns:a14="http://schemas.microsoft.com/office/drawing/2010/main" xmlns:m="http://schemas.openxmlformats.org/officeDocument/2006/math" xmlns:p15="http://schemas.microsoft.com/office/powerpoint/2012/main" xmlns:p159="http://schemas.microsoft.com/office/powerpoint/2015/09/main" xmlns:w="http://schemas.openxmlformats.org/wordprocessingml/2006/main" xmlns:wp="http://schemas.openxmlformats.org/drawingml/2006/wordprocessingDrawing">
+    <mc:Fallback xmlns:wp="http://schemas.openxmlformats.org/drawingml/2006/wordprocessingDrawing" xmlns:w="http://schemas.openxmlformats.org/wordprocessingml/2006/main" xmlns:p159="http://schemas.microsoft.com/office/powerpoint/2015/09/main" xmlns:p15="http://schemas.microsoft.com/office/powerpoint/2012/main" xmlns:m="http://schemas.openxmlformats.org/officeDocument/2006/math" xmlns:a14="http://schemas.microsoft.com/office/drawing/2010/main" xmlns="">
       <p:transition spd="med">
         <p:fade/>
       </p:transition>
@@ -34851,7 +34403,7 @@
         <p:spPr>
           <a:xfrm>
             <a:off x="829167" y="4580358"/>
-            <a:ext cx="2937506" cy="954107"/>
+            <a:ext cx="2937506" cy="738664"/>
           </a:xfrm>
           <a:prstGeom prst="rect">
             <a:avLst/>
@@ -34864,11 +34416,81 @@
           <a:lstStyle/>
           <a:p>
             <a:r>
-              <a:rPr lang="zh-CN" altLang="en-US" sz="1400" dirty="0">
-                <a:cs typeface="+mn-ea"/>
-                <a:sym typeface="+mn-lt"/>
+              <a:rPr lang="zh-CN" altLang="en-US" sz="1400" b="0" i="0" dirty="0">
+                <a:effectLst/>
+                <a:latin typeface="arial" panose="020B0604020202020204" pitchFamily="34" charset="0"/>
               </a:rPr>
-              <a:t>近年来，随着科学技术的快速发展，加之疫情下网络占据越来越重要的地位，诈骗给大家带来了极大的威胁，我们需要对诈骗进行新的治理。</a:t>
+              <a:t>自</a:t>
+            </a:r>
+            <a:r>
+              <a:rPr lang="en-US" altLang="zh-CN" sz="1400" b="0" i="0" dirty="0">
+                <a:effectLst/>
+                <a:latin typeface="arial" panose="020B0604020202020204" pitchFamily="34" charset="0"/>
+              </a:rPr>
+              <a:t>2021</a:t>
+            </a:r>
+            <a:r>
+              <a:rPr lang="zh-CN" altLang="en-US" sz="1400" b="0" i="0" dirty="0">
+                <a:effectLst/>
+                <a:latin typeface="arial" panose="020B0604020202020204" pitchFamily="34" charset="0"/>
+              </a:rPr>
+              <a:t>年</a:t>
+            </a:r>
+            <a:r>
+              <a:rPr lang="en-US" altLang="zh-CN" sz="1400" b="0" i="0" dirty="0">
+                <a:effectLst/>
+                <a:latin typeface="arial" panose="020B0604020202020204" pitchFamily="34" charset="0"/>
+              </a:rPr>
+              <a:t>4</a:t>
+            </a:r>
+            <a:r>
+              <a:rPr lang="zh-CN" altLang="en-US" sz="1400" b="0" i="0" dirty="0">
+                <a:effectLst/>
+                <a:latin typeface="arial" panose="020B0604020202020204" pitchFamily="34" charset="0"/>
+              </a:rPr>
+              <a:t>月至</a:t>
+            </a:r>
+            <a:r>
+              <a:rPr lang="en-US" altLang="zh-CN" sz="1400" b="0" i="0" dirty="0">
+                <a:effectLst/>
+                <a:latin typeface="arial" panose="020B0604020202020204" pitchFamily="34" charset="0"/>
+              </a:rPr>
+              <a:t>2022</a:t>
+            </a:r>
+            <a:r>
+              <a:rPr lang="zh-CN" altLang="en-US" sz="1400" b="0" i="0" dirty="0">
+                <a:effectLst/>
+                <a:latin typeface="arial" panose="020B0604020202020204" pitchFamily="34" charset="0"/>
+              </a:rPr>
+              <a:t>年</a:t>
+            </a:r>
+            <a:r>
+              <a:rPr lang="en-US" altLang="zh-CN" sz="1400" b="0" i="0" dirty="0">
+                <a:effectLst/>
+                <a:latin typeface="arial" panose="020B0604020202020204" pitchFamily="34" charset="0"/>
+              </a:rPr>
+              <a:t>7</a:t>
+            </a:r>
+            <a:r>
+              <a:rPr lang="zh-CN" altLang="en-US" sz="1400" b="0" i="0" dirty="0">
+                <a:effectLst/>
+                <a:latin typeface="arial" panose="020B0604020202020204" pitchFamily="34" charset="0"/>
+              </a:rPr>
+              <a:t>月，全国共破获电信网络诈骗案件</a:t>
+            </a:r>
+            <a:r>
+              <a:rPr lang="en-US" altLang="zh-CN" sz="1400" b="0" i="0" dirty="0">
+                <a:effectLst/>
+                <a:latin typeface="arial" panose="020B0604020202020204" pitchFamily="34" charset="0"/>
+              </a:rPr>
+              <a:t>59.4</a:t>
+            </a:r>
+            <a:r>
+              <a:rPr lang="zh-CN" altLang="en-US" sz="1400" b="0" i="0" dirty="0">
+                <a:effectLst/>
+                <a:latin typeface="arial" panose="020B0604020202020204" pitchFamily="34" charset="0"/>
+              </a:rPr>
+              <a:t>万起。还有无数没有破获的。</a:t>
             </a:r>
             <a:endParaRPr lang="en-US" altLang="zh-CN" sz="1400" dirty="0">
               <a:cs typeface="+mn-ea"/>
@@ -34935,8 +34557,8 @@
         </p:nvSpPr>
         <p:spPr>
           <a:xfrm>
-            <a:off x="8187048" y="4580478"/>
-            <a:ext cx="3279922" cy="954107"/>
+            <a:off x="8409540" y="4580478"/>
+            <a:ext cx="3000905" cy="738664"/>
           </a:xfrm>
           <a:prstGeom prst="rect">
             <a:avLst/>
@@ -34950,44 +34572,145 @@
           <a:p>
             <a:pPr algn="ctr"/>
             <a:r>
-              <a:rPr lang="zh-CN" altLang="en-US" sz="1400" dirty="0">
+              <a:rPr lang="en-US" altLang="zh-CN" sz="1400" b="0" i="0" dirty="0">
                 <a:solidFill>
-                  <a:schemeClr val="tx1">
-                    <a:lumMod val="75000"/>
-                    <a:lumOff val="25000"/>
-                  </a:schemeClr>
+                  <a:srgbClr val="333333"/>
                 </a:solidFill>
-                <a:cs typeface="+mn-ea"/>
-                <a:sym typeface="+mn-lt"/>
+                <a:effectLst/>
+                <a:latin typeface="黑体" panose="02010609060101010101" pitchFamily="49" charset="-122"/>
+                <a:ea typeface="黑体" panose="02010609060101010101" pitchFamily="49" charset="-122"/>
               </a:rPr>
-              <a:t>这段时间，国家反诈中心</a:t>
+              <a:t>2021</a:t>
             </a:r>
             <a:r>
-              <a:rPr lang="en-US" altLang="zh-CN" sz="1400" dirty="0">
+              <a:rPr lang="zh-CN" altLang="en-US" sz="1400" b="0" i="0" dirty="0">
                 <a:solidFill>
-                  <a:schemeClr val="tx1">
-                    <a:lumMod val="75000"/>
-                    <a:lumOff val="25000"/>
-                  </a:schemeClr>
+                  <a:srgbClr val="333333"/>
                 </a:solidFill>
-                <a:cs typeface="+mn-ea"/>
-                <a:sym typeface="+mn-lt"/>
+                <a:effectLst/>
+                <a:latin typeface="黑体" panose="02010609060101010101" pitchFamily="49" charset="-122"/>
+                <a:ea typeface="黑体" panose="02010609060101010101" pitchFamily="49" charset="-122"/>
               </a:rPr>
-              <a:t>app</a:t>
+              <a:t>年</a:t>
             </a:r>
             <a:r>
-              <a:rPr lang="zh-CN" altLang="en-US" sz="1400" dirty="0">
+              <a:rPr lang="en-US" altLang="zh-CN" sz="1400" b="0" i="0" dirty="0">
                 <a:solidFill>
-                  <a:schemeClr val="tx1">
-                    <a:lumMod val="75000"/>
-                    <a:lumOff val="25000"/>
-                  </a:schemeClr>
+                  <a:srgbClr val="333333"/>
                 </a:solidFill>
-                <a:cs typeface="+mn-ea"/>
-                <a:sym typeface="+mn-lt"/>
+                <a:effectLst/>
+                <a:latin typeface="黑体" panose="02010609060101010101" pitchFamily="49" charset="-122"/>
+                <a:ea typeface="黑体" panose="02010609060101010101" pitchFamily="49" charset="-122"/>
               </a:rPr>
-              <a:t>很火，这就是机器学习大数据带来的新的技术红利，我们还需要更多这方面的研究，需要多部门联合治理。</a:t>
+              <a:t>4</a:t>
             </a:r>
+            <a:r>
+              <a:rPr lang="zh-CN" altLang="en-US" sz="1400" b="0" i="0" dirty="0">
+                <a:solidFill>
+                  <a:srgbClr val="333333"/>
+                </a:solidFill>
+                <a:effectLst/>
+                <a:latin typeface="黑体" panose="02010609060101010101" pitchFamily="49" charset="-122"/>
+                <a:ea typeface="黑体" panose="02010609060101010101" pitchFamily="49" charset="-122"/>
+              </a:rPr>
+              <a:t>月以来</a:t>
+            </a:r>
+            <a:r>
+              <a:rPr lang="en-US" altLang="zh-CN" sz="1400" b="0" i="0" dirty="0">
+                <a:solidFill>
+                  <a:srgbClr val="333333"/>
+                </a:solidFill>
+                <a:effectLst/>
+                <a:latin typeface="黑体" panose="02010609060101010101" pitchFamily="49" charset="-122"/>
+                <a:ea typeface="黑体" panose="02010609060101010101" pitchFamily="49" charset="-122"/>
+              </a:rPr>
+              <a:t>,</a:t>
+            </a:r>
+            <a:r>
+              <a:rPr lang="zh-CN" altLang="en-US" sz="1400" b="0" i="0" dirty="0">
+                <a:solidFill>
+                  <a:srgbClr val="333333"/>
+                </a:solidFill>
+                <a:effectLst/>
+                <a:latin typeface="黑体" panose="02010609060101010101" pitchFamily="49" charset="-122"/>
+                <a:ea typeface="黑体" panose="02010609060101010101" pitchFamily="49" charset="-122"/>
+              </a:rPr>
+              <a:t>国家反诈中心推送预警指令</a:t>
+            </a:r>
+            <a:r>
+              <a:rPr lang="en-US" altLang="zh-CN" sz="1400" b="0" i="0" dirty="0">
+                <a:solidFill>
+                  <a:srgbClr val="333333"/>
+                </a:solidFill>
+                <a:effectLst/>
+                <a:latin typeface="黑体" panose="02010609060101010101" pitchFamily="49" charset="-122"/>
+                <a:ea typeface="黑体" panose="02010609060101010101" pitchFamily="49" charset="-122"/>
+              </a:rPr>
+              <a:t>1.45</a:t>
+            </a:r>
+            <a:r>
+              <a:rPr lang="zh-CN" altLang="en-US" sz="1400" b="0" i="0" dirty="0">
+                <a:solidFill>
+                  <a:srgbClr val="333333"/>
+                </a:solidFill>
+                <a:effectLst/>
+                <a:latin typeface="黑体" panose="02010609060101010101" pitchFamily="49" charset="-122"/>
+                <a:ea typeface="黑体" panose="02010609060101010101" pitchFamily="49" charset="-122"/>
+              </a:rPr>
+              <a:t>亿条</a:t>
+            </a:r>
+            <a:r>
+              <a:rPr lang="en-US" altLang="zh-CN" sz="1400" b="0" i="0" dirty="0">
+                <a:solidFill>
+                  <a:srgbClr val="333333"/>
+                </a:solidFill>
+                <a:effectLst/>
+                <a:latin typeface="黑体" panose="02010609060101010101" pitchFamily="49" charset="-122"/>
+                <a:ea typeface="黑体" panose="02010609060101010101" pitchFamily="49" charset="-122"/>
+              </a:rPr>
+              <a:t>,</a:t>
+            </a:r>
+            <a:r>
+              <a:rPr lang="zh-CN" altLang="en-US" sz="1400" b="0" i="0" dirty="0">
+                <a:solidFill>
+                  <a:srgbClr val="333333"/>
+                </a:solidFill>
+                <a:effectLst/>
+                <a:latin typeface="黑体" panose="02010609060101010101" pitchFamily="49" charset="-122"/>
+                <a:ea typeface="黑体" panose="02010609060101010101" pitchFamily="49" charset="-122"/>
+              </a:rPr>
+              <a:t> 拦截涉案资金</a:t>
+            </a:r>
+            <a:r>
+              <a:rPr lang="en-US" altLang="zh-CN" sz="1400" b="0" i="0" dirty="0">
+                <a:solidFill>
+                  <a:srgbClr val="333333"/>
+                </a:solidFill>
+                <a:effectLst/>
+                <a:latin typeface="黑体" panose="02010609060101010101" pitchFamily="49" charset="-122"/>
+                <a:ea typeface="黑体" panose="02010609060101010101" pitchFamily="49" charset="-122"/>
+              </a:rPr>
+              <a:t>5518</a:t>
+            </a:r>
+            <a:r>
+              <a:rPr lang="zh-CN" altLang="en-US" sz="1400" b="0" i="0" dirty="0">
+                <a:solidFill>
+                  <a:srgbClr val="333333"/>
+                </a:solidFill>
+                <a:effectLst/>
+                <a:latin typeface="黑体" panose="02010609060101010101" pitchFamily="49" charset="-122"/>
+                <a:ea typeface="黑体" panose="02010609060101010101" pitchFamily="49" charset="-122"/>
+              </a:rPr>
+              <a:t>亿元。</a:t>
+            </a:r>
+            <a:endParaRPr lang="en-US" altLang="zh-CN" sz="1400" b="0" i="0" dirty="0">
+              <a:solidFill>
+                <a:srgbClr val="333333"/>
+              </a:solidFill>
+              <a:effectLst/>
+              <a:latin typeface="黑体" panose="02010609060101010101" pitchFamily="49" charset="-122"/>
+              <a:ea typeface="黑体" panose="02010609060101010101" pitchFamily="49" charset="-122"/>
+            </a:endParaRPr>
           </a:p>
         </p:txBody>
       </p:sp>
@@ -35354,7 +35077,7 @@
         <p:fade/>
       </p:transition>
     </mc:Choice>
-    <mc:Fallback xmlns="" xmlns:a14="http://schemas.microsoft.com/office/drawing/2010/main" xmlns:m="http://schemas.openxmlformats.org/officeDocument/2006/math" xmlns:p15="http://schemas.microsoft.com/office/powerpoint/2012/main" xmlns:p159="http://schemas.microsoft.com/office/powerpoint/2015/09/main" xmlns:w="http://schemas.openxmlformats.org/wordprocessingml/2006/main" xmlns:wp="http://schemas.openxmlformats.org/drawingml/2006/wordprocessingDrawing">
+    <mc:Fallback xmlns:wp="http://schemas.openxmlformats.org/drawingml/2006/wordprocessingDrawing" xmlns:w="http://schemas.openxmlformats.org/wordprocessingml/2006/main" xmlns:p159="http://schemas.microsoft.com/office/powerpoint/2015/09/main" xmlns:p15="http://schemas.microsoft.com/office/powerpoint/2012/main" xmlns:m="http://schemas.openxmlformats.org/officeDocument/2006/math" xmlns:a14="http://schemas.microsoft.com/office/drawing/2010/main" xmlns="">
       <p:transition spd="med">
         <p:fade/>
       </p:transition>
@@ -35607,60 +35330,6 @@
           </p:txBody>
         </p:sp>
       </p:grpSp>
-      <p:sp>
-        <p:nvSpPr>
-          <p:cNvPr id="28" name="矩形 27">
-            <a:extLst>
-              <a:ext uri="{FF2B5EF4-FFF2-40B4-BE49-F238E27FC236}">
-                <a16:creationId xmlns:a16="http://schemas.microsoft.com/office/drawing/2014/main" id="{AAD9D319-1E44-7A42-B18A-CC2238699B52}"/>
-              </a:ext>
-            </a:extLst>
-          </p:cNvPr>
-          <p:cNvSpPr/>
-          <p:nvPr/>
-        </p:nvSpPr>
-        <p:spPr>
-          <a:xfrm>
-            <a:off x="382507" y="1372713"/>
-            <a:ext cx="2228495" cy="369332"/>
-          </a:xfrm>
-          <a:prstGeom prst="rect">
-            <a:avLst/>
-          </a:prstGeom>
-        </p:spPr>
-        <p:txBody>
-          <a:bodyPr wrap="none">
-            <a:spAutoFit/>
-          </a:bodyPr>
-          <a:lstStyle/>
-          <a:p>
-            <a:r>
-              <a:rPr lang="zh-CN" altLang="en-US" dirty="0">
-                <a:solidFill>
-                  <a:schemeClr val="bg1"/>
-                </a:solidFill>
-                <a:latin typeface="微软雅黑" panose="020B0503020204020204" pitchFamily="34" charset="-122"/>
-                <a:ea typeface="微软雅黑" panose="020B0503020204020204" pitchFamily="34" charset="-122"/>
-                <a:cs typeface="+mn-ea"/>
-                <a:sym typeface="+mn-lt"/>
-              </a:rPr>
-              <a:t>第二部分   </a:t>
-            </a:r>
-            <a:r>
-              <a:rPr lang="zh-CN" altLang="en-US" dirty="0">
-                <a:solidFill>
-                  <a:schemeClr val="bg1"/>
-                </a:solidFill>
-                <a:latin typeface="+mj-ea"/>
-                <a:ea typeface="+mj-ea"/>
-                <a:cs typeface="+mn-ea"/>
-                <a:sym typeface="+mn-lt"/>
-              </a:rPr>
-              <a:t>相似研究</a:t>
-            </a:r>
-          </a:p>
-        </p:txBody>
-      </p:sp>
       <p:sp>
         <p:nvSpPr>
           <p:cNvPr id="12" name="文本框 11">
@@ -36328,7 +35997,7 @@
         </p:nvSpPr>
         <p:spPr>
           <a:xfrm>
-            <a:off x="1577716" y="4779799"/>
+            <a:off x="1577716" y="4881849"/>
             <a:ext cx="9036567" cy="923330"/>
           </a:xfrm>
           <a:prstGeom prst="rect">
@@ -36348,7 +36017,18 @@
             </a:pPr>
             <a:r>
               <a:rPr lang="zh-CN" altLang="en-US" dirty="0"/>
-              <a:t>好像做诈骗内容分类的还比较少，但是其实对于每天接受大量信息的警察，一个好的判别诈骗内容的工具还是很重要</a:t>
+              <a:t>诈骗内容分类相关比较少</a:t>
+            </a:r>
+            <a:endParaRPr lang="en-US" altLang="zh-CN" dirty="0"/>
+          </a:p>
+          <a:p>
+            <a:pPr marL="285750" indent="-285750">
+              <a:buFont typeface="Arial" panose="020B0604020202020204" pitchFamily="34" charset="0"/>
+              <a:buChar char="•"/>
+            </a:pPr>
+            <a:r>
+              <a:rPr lang="zh-CN" altLang="en-US" dirty="0"/>
+              <a:t>立法较少，工作量大</a:t>
             </a:r>
             <a:endParaRPr lang="en-US" altLang="zh-CN" dirty="0"/>
           </a:p>
@@ -36363,7 +36043,7 @@
                   <a:srgbClr val="FF0000"/>
                 </a:solidFill>
               </a:rPr>
-              <a:t>想法：做出一个比较可靠的分析诈骗案情的文本分类器</a:t>
+              <a:t>想法：可靠的分析诈骗案情的文本分类系统</a:t>
             </a:r>
           </a:p>
         </p:txBody>
@@ -36571,1258 +36251,6 @@
   <p:clrMapOvr>
     <a:masterClrMapping/>
   </p:clrMapOvr>
-  <p:timing>
-    <p:tnLst>
-      <p:par>
-        <p:cTn id="1" dur="indefinite" restart="never" nodeType="tmRoot">
-          <p:childTnLst>
-            <p:seq concurrent="1" nextAc="seek">
-              <p:cTn id="2" dur="indefinite" nodeType="mainSeq">
-                <p:childTnLst>
-                  <p:par>
-                    <p:cTn id="3" fill="hold">
-                      <p:stCondLst>
-                        <p:cond delay="indefinite"/>
-                      </p:stCondLst>
-                      <p:childTnLst>
-                        <p:par>
-                          <p:cTn id="4" fill="hold">
-                            <p:stCondLst>
-                              <p:cond delay="0"/>
-                            </p:stCondLst>
-                            <p:childTnLst>
-                              <p:par>
-                                <p:cTn id="5" presetID="42" presetClass="entr" presetSubtype="0" fill="hold" grpId="0" nodeType="clickEffect">
-                                  <p:stCondLst>
-                                    <p:cond delay="0"/>
-                                  </p:stCondLst>
-                                  <p:childTnLst>
-                                    <p:set>
-                                      <p:cBhvr>
-                                        <p:cTn id="6" dur="1" fill="hold">
-                                          <p:stCondLst>
-                                            <p:cond delay="0"/>
-                                          </p:stCondLst>
-                                        </p:cTn>
-                                        <p:tgtEl>
-                                          <p:spTgt spid="12"/>
-                                        </p:tgtEl>
-                                        <p:attrNameLst>
-                                          <p:attrName>style.visibility</p:attrName>
-                                        </p:attrNameLst>
-                                      </p:cBhvr>
-                                      <p:to>
-                                        <p:strVal val="visible"/>
-                                      </p:to>
-                                    </p:set>
-                                    <p:animEffect transition="in" filter="fade">
-                                      <p:cBhvr>
-                                        <p:cTn id="7" dur="1000"/>
-                                        <p:tgtEl>
-                                          <p:spTgt spid="12"/>
-                                        </p:tgtEl>
-                                      </p:cBhvr>
-                                    </p:animEffect>
-                                    <p:anim calcmode="lin" valueType="num">
-                                      <p:cBhvr>
-                                        <p:cTn id="8" dur="1000" fill="hold"/>
-                                        <p:tgtEl>
-                                          <p:spTgt spid="12"/>
-                                        </p:tgtEl>
-                                        <p:attrNameLst>
-                                          <p:attrName>ppt_x</p:attrName>
-                                        </p:attrNameLst>
-                                      </p:cBhvr>
-                                      <p:tavLst>
-                                        <p:tav tm="0">
-                                          <p:val>
-                                            <p:strVal val="#ppt_x"/>
-                                          </p:val>
-                                        </p:tav>
-                                        <p:tav tm="100000">
-                                          <p:val>
-                                            <p:strVal val="#ppt_x"/>
-                                          </p:val>
-                                        </p:tav>
-                                      </p:tavLst>
-                                    </p:anim>
-                                    <p:anim calcmode="lin" valueType="num">
-                                      <p:cBhvr>
-                                        <p:cTn id="9" dur="1000" fill="hold"/>
-                                        <p:tgtEl>
-                                          <p:spTgt spid="12"/>
-                                        </p:tgtEl>
-                                        <p:attrNameLst>
-                                          <p:attrName>ppt_y</p:attrName>
-                                        </p:attrNameLst>
-                                      </p:cBhvr>
-                                      <p:tavLst>
-                                        <p:tav tm="0">
-                                          <p:val>
-                                            <p:strVal val="#ppt_y+.1"/>
-                                          </p:val>
-                                        </p:tav>
-                                        <p:tav tm="100000">
-                                          <p:val>
-                                            <p:strVal val="#ppt_y"/>
-                                          </p:val>
-                                        </p:tav>
-                                      </p:tavLst>
-                                    </p:anim>
-                                  </p:childTnLst>
-                                </p:cTn>
-                              </p:par>
-                              <p:par>
-                                <p:cTn id="10" presetID="42" presetClass="entr" presetSubtype="0" fill="hold" grpId="0" nodeType="withEffect">
-                                  <p:stCondLst>
-                                    <p:cond delay="0"/>
-                                  </p:stCondLst>
-                                  <p:childTnLst>
-                                    <p:set>
-                                      <p:cBhvr>
-                                        <p:cTn id="11" dur="1" fill="hold">
-                                          <p:stCondLst>
-                                            <p:cond delay="0"/>
-                                          </p:stCondLst>
-                                        </p:cTn>
-                                        <p:tgtEl>
-                                          <p:spTgt spid="22"/>
-                                        </p:tgtEl>
-                                        <p:attrNameLst>
-                                          <p:attrName>style.visibility</p:attrName>
-                                        </p:attrNameLst>
-                                      </p:cBhvr>
-                                      <p:to>
-                                        <p:strVal val="visible"/>
-                                      </p:to>
-                                    </p:set>
-                                    <p:animEffect transition="in" filter="fade">
-                                      <p:cBhvr>
-                                        <p:cTn id="12" dur="1000"/>
-                                        <p:tgtEl>
-                                          <p:spTgt spid="22"/>
-                                        </p:tgtEl>
-                                      </p:cBhvr>
-                                    </p:animEffect>
-                                    <p:anim calcmode="lin" valueType="num">
-                                      <p:cBhvr>
-                                        <p:cTn id="13" dur="1000" fill="hold"/>
-                                        <p:tgtEl>
-                                          <p:spTgt spid="22"/>
-                                        </p:tgtEl>
-                                        <p:attrNameLst>
-                                          <p:attrName>ppt_x</p:attrName>
-                                        </p:attrNameLst>
-                                      </p:cBhvr>
-                                      <p:tavLst>
-                                        <p:tav tm="0">
-                                          <p:val>
-                                            <p:strVal val="#ppt_x"/>
-                                          </p:val>
-                                        </p:tav>
-                                        <p:tav tm="100000">
-                                          <p:val>
-                                            <p:strVal val="#ppt_x"/>
-                                          </p:val>
-                                        </p:tav>
-                                      </p:tavLst>
-                                    </p:anim>
-                                    <p:anim calcmode="lin" valueType="num">
-                                      <p:cBhvr>
-                                        <p:cTn id="14" dur="1000" fill="hold"/>
-                                        <p:tgtEl>
-                                          <p:spTgt spid="22"/>
-                                        </p:tgtEl>
-                                        <p:attrNameLst>
-                                          <p:attrName>ppt_y</p:attrName>
-                                        </p:attrNameLst>
-                                      </p:cBhvr>
-                                      <p:tavLst>
-                                        <p:tav tm="0">
-                                          <p:val>
-                                            <p:strVal val="#ppt_y+.1"/>
-                                          </p:val>
-                                        </p:tav>
-                                        <p:tav tm="100000">
-                                          <p:val>
-                                            <p:strVal val="#ppt_y"/>
-                                          </p:val>
-                                        </p:tav>
-                                      </p:tavLst>
-                                    </p:anim>
-                                  </p:childTnLst>
-                                </p:cTn>
-                              </p:par>
-                              <p:par>
-                                <p:cTn id="15" presetID="42" presetClass="entr" presetSubtype="0" fill="hold" grpId="0" nodeType="withEffect">
-                                  <p:stCondLst>
-                                    <p:cond delay="0"/>
-                                  </p:stCondLst>
-                                  <p:childTnLst>
-                                    <p:set>
-                                      <p:cBhvr>
-                                        <p:cTn id="16" dur="1" fill="hold">
-                                          <p:stCondLst>
-                                            <p:cond delay="0"/>
-                                          </p:stCondLst>
-                                        </p:cTn>
-                                        <p:tgtEl>
-                                          <p:spTgt spid="47"/>
-                                        </p:tgtEl>
-                                        <p:attrNameLst>
-                                          <p:attrName>style.visibility</p:attrName>
-                                        </p:attrNameLst>
-                                      </p:cBhvr>
-                                      <p:to>
-                                        <p:strVal val="visible"/>
-                                      </p:to>
-                                    </p:set>
-                                    <p:animEffect transition="in" filter="fade">
-                                      <p:cBhvr>
-                                        <p:cTn id="17" dur="1000"/>
-                                        <p:tgtEl>
-                                          <p:spTgt spid="47"/>
-                                        </p:tgtEl>
-                                      </p:cBhvr>
-                                    </p:animEffect>
-                                    <p:anim calcmode="lin" valueType="num">
-                                      <p:cBhvr>
-                                        <p:cTn id="18" dur="1000" fill="hold"/>
-                                        <p:tgtEl>
-                                          <p:spTgt spid="47"/>
-                                        </p:tgtEl>
-                                        <p:attrNameLst>
-                                          <p:attrName>ppt_x</p:attrName>
-                                        </p:attrNameLst>
-                                      </p:cBhvr>
-                                      <p:tavLst>
-                                        <p:tav tm="0">
-                                          <p:val>
-                                            <p:strVal val="#ppt_x"/>
-                                          </p:val>
-                                        </p:tav>
-                                        <p:tav tm="100000">
-                                          <p:val>
-                                            <p:strVal val="#ppt_x"/>
-                                          </p:val>
-                                        </p:tav>
-                                      </p:tavLst>
-                                    </p:anim>
-                                    <p:anim calcmode="lin" valueType="num">
-                                      <p:cBhvr>
-                                        <p:cTn id="19" dur="1000" fill="hold"/>
-                                        <p:tgtEl>
-                                          <p:spTgt spid="47"/>
-                                        </p:tgtEl>
-                                        <p:attrNameLst>
-                                          <p:attrName>ppt_y</p:attrName>
-                                        </p:attrNameLst>
-                                      </p:cBhvr>
-                                      <p:tavLst>
-                                        <p:tav tm="0">
-                                          <p:val>
-                                            <p:strVal val="#ppt_y+.1"/>
-                                          </p:val>
-                                        </p:tav>
-                                        <p:tav tm="100000">
-                                          <p:val>
-                                            <p:strVal val="#ppt_y"/>
-                                          </p:val>
-                                        </p:tav>
-                                      </p:tavLst>
-                                    </p:anim>
-                                  </p:childTnLst>
-                                </p:cTn>
-                              </p:par>
-                              <p:par>
-                                <p:cTn id="20" presetID="42" presetClass="entr" presetSubtype="0" fill="hold" grpId="0" nodeType="withEffect">
-                                  <p:stCondLst>
-                                    <p:cond delay="0"/>
-                                  </p:stCondLst>
-                                  <p:childTnLst>
-                                    <p:set>
-                                      <p:cBhvr>
-                                        <p:cTn id="21" dur="1" fill="hold">
-                                          <p:stCondLst>
-                                            <p:cond delay="0"/>
-                                          </p:stCondLst>
-                                        </p:cTn>
-                                        <p:tgtEl>
-                                          <p:spTgt spid="2"/>
-                                        </p:tgtEl>
-                                        <p:attrNameLst>
-                                          <p:attrName>style.visibility</p:attrName>
-                                        </p:attrNameLst>
-                                      </p:cBhvr>
-                                      <p:to>
-                                        <p:strVal val="visible"/>
-                                      </p:to>
-                                    </p:set>
-                                    <p:animEffect transition="in" filter="fade">
-                                      <p:cBhvr>
-                                        <p:cTn id="22" dur="1000"/>
-                                        <p:tgtEl>
-                                          <p:spTgt spid="2"/>
-                                        </p:tgtEl>
-                                      </p:cBhvr>
-                                    </p:animEffect>
-                                    <p:anim calcmode="lin" valueType="num">
-                                      <p:cBhvr>
-                                        <p:cTn id="23" dur="1000" fill="hold"/>
-                                        <p:tgtEl>
-                                          <p:spTgt spid="2"/>
-                                        </p:tgtEl>
-                                        <p:attrNameLst>
-                                          <p:attrName>ppt_x</p:attrName>
-                                        </p:attrNameLst>
-                                      </p:cBhvr>
-                                      <p:tavLst>
-                                        <p:tav tm="0">
-                                          <p:val>
-                                            <p:strVal val="#ppt_x"/>
-                                          </p:val>
-                                        </p:tav>
-                                        <p:tav tm="100000">
-                                          <p:val>
-                                            <p:strVal val="#ppt_x"/>
-                                          </p:val>
-                                        </p:tav>
-                                      </p:tavLst>
-                                    </p:anim>
-                                    <p:anim calcmode="lin" valueType="num">
-                                      <p:cBhvr>
-                                        <p:cTn id="24" dur="1000" fill="hold"/>
-                                        <p:tgtEl>
-                                          <p:spTgt spid="2"/>
-                                        </p:tgtEl>
-                                        <p:attrNameLst>
-                                          <p:attrName>ppt_y</p:attrName>
-                                        </p:attrNameLst>
-                                      </p:cBhvr>
-                                      <p:tavLst>
-                                        <p:tav tm="0">
-                                          <p:val>
-                                            <p:strVal val="#ppt_y+.1"/>
-                                          </p:val>
-                                        </p:tav>
-                                        <p:tav tm="100000">
-                                          <p:val>
-                                            <p:strVal val="#ppt_y"/>
-                                          </p:val>
-                                        </p:tav>
-                                      </p:tavLst>
-                                    </p:anim>
-                                  </p:childTnLst>
-                                </p:cTn>
-                              </p:par>
-                            </p:childTnLst>
-                          </p:cTn>
-                        </p:par>
-                      </p:childTnLst>
-                    </p:cTn>
-                  </p:par>
-                  <p:par>
-                    <p:cTn id="25" fill="hold">
-                      <p:stCondLst>
-                        <p:cond delay="indefinite"/>
-                      </p:stCondLst>
-                      <p:childTnLst>
-                        <p:par>
-                          <p:cTn id="26" fill="hold">
-                            <p:stCondLst>
-                              <p:cond delay="0"/>
-                            </p:stCondLst>
-                            <p:childTnLst>
-                              <p:par>
-                                <p:cTn id="27" presetID="42" presetClass="entr" presetSubtype="0" fill="hold" grpId="0" nodeType="clickEffect">
-                                  <p:stCondLst>
-                                    <p:cond delay="0"/>
-                                  </p:stCondLst>
-                                  <p:childTnLst>
-                                    <p:set>
-                                      <p:cBhvr>
-                                        <p:cTn id="28" dur="1" fill="hold">
-                                          <p:stCondLst>
-                                            <p:cond delay="0"/>
-                                          </p:stCondLst>
-                                        </p:cTn>
-                                        <p:tgtEl>
-                                          <p:spTgt spid="13"/>
-                                        </p:tgtEl>
-                                        <p:attrNameLst>
-                                          <p:attrName>style.visibility</p:attrName>
-                                        </p:attrNameLst>
-                                      </p:cBhvr>
-                                      <p:to>
-                                        <p:strVal val="visible"/>
-                                      </p:to>
-                                    </p:set>
-                                    <p:animEffect transition="in" filter="fade">
-                                      <p:cBhvr>
-                                        <p:cTn id="29" dur="1000"/>
-                                        <p:tgtEl>
-                                          <p:spTgt spid="13"/>
-                                        </p:tgtEl>
-                                      </p:cBhvr>
-                                    </p:animEffect>
-                                    <p:anim calcmode="lin" valueType="num">
-                                      <p:cBhvr>
-                                        <p:cTn id="30" dur="1000" fill="hold"/>
-                                        <p:tgtEl>
-                                          <p:spTgt spid="13"/>
-                                        </p:tgtEl>
-                                        <p:attrNameLst>
-                                          <p:attrName>ppt_x</p:attrName>
-                                        </p:attrNameLst>
-                                      </p:cBhvr>
-                                      <p:tavLst>
-                                        <p:tav tm="0">
-                                          <p:val>
-                                            <p:strVal val="#ppt_x"/>
-                                          </p:val>
-                                        </p:tav>
-                                        <p:tav tm="100000">
-                                          <p:val>
-                                            <p:strVal val="#ppt_x"/>
-                                          </p:val>
-                                        </p:tav>
-                                      </p:tavLst>
-                                    </p:anim>
-                                    <p:anim calcmode="lin" valueType="num">
-                                      <p:cBhvr>
-                                        <p:cTn id="31" dur="1000" fill="hold"/>
-                                        <p:tgtEl>
-                                          <p:spTgt spid="13"/>
-                                        </p:tgtEl>
-                                        <p:attrNameLst>
-                                          <p:attrName>ppt_y</p:attrName>
-                                        </p:attrNameLst>
-                                      </p:cBhvr>
-                                      <p:tavLst>
-                                        <p:tav tm="0">
-                                          <p:val>
-                                            <p:strVal val="#ppt_y+.1"/>
-                                          </p:val>
-                                        </p:tav>
-                                        <p:tav tm="100000">
-                                          <p:val>
-                                            <p:strVal val="#ppt_y"/>
-                                          </p:val>
-                                        </p:tav>
-                                      </p:tavLst>
-                                    </p:anim>
-                                  </p:childTnLst>
-                                </p:cTn>
-                              </p:par>
-                              <p:par>
-                                <p:cTn id="32" presetID="42" presetClass="entr" presetSubtype="0" fill="hold" grpId="0" nodeType="withEffect">
-                                  <p:stCondLst>
-                                    <p:cond delay="0"/>
-                                  </p:stCondLst>
-                                  <p:childTnLst>
-                                    <p:set>
-                                      <p:cBhvr>
-                                        <p:cTn id="33" dur="1" fill="hold">
-                                          <p:stCondLst>
-                                            <p:cond delay="0"/>
-                                          </p:stCondLst>
-                                        </p:cTn>
-                                        <p:tgtEl>
-                                          <p:spTgt spid="23"/>
-                                        </p:tgtEl>
-                                        <p:attrNameLst>
-                                          <p:attrName>style.visibility</p:attrName>
-                                        </p:attrNameLst>
-                                      </p:cBhvr>
-                                      <p:to>
-                                        <p:strVal val="visible"/>
-                                      </p:to>
-                                    </p:set>
-                                    <p:animEffect transition="in" filter="fade">
-                                      <p:cBhvr>
-                                        <p:cTn id="34" dur="1000"/>
-                                        <p:tgtEl>
-                                          <p:spTgt spid="23"/>
-                                        </p:tgtEl>
-                                      </p:cBhvr>
-                                    </p:animEffect>
-                                    <p:anim calcmode="lin" valueType="num">
-                                      <p:cBhvr>
-                                        <p:cTn id="35" dur="1000" fill="hold"/>
-                                        <p:tgtEl>
-                                          <p:spTgt spid="23"/>
-                                        </p:tgtEl>
-                                        <p:attrNameLst>
-                                          <p:attrName>ppt_x</p:attrName>
-                                        </p:attrNameLst>
-                                      </p:cBhvr>
-                                      <p:tavLst>
-                                        <p:tav tm="0">
-                                          <p:val>
-                                            <p:strVal val="#ppt_x"/>
-                                          </p:val>
-                                        </p:tav>
-                                        <p:tav tm="100000">
-                                          <p:val>
-                                            <p:strVal val="#ppt_x"/>
-                                          </p:val>
-                                        </p:tav>
-                                      </p:tavLst>
-                                    </p:anim>
-                                    <p:anim calcmode="lin" valueType="num">
-                                      <p:cBhvr>
-                                        <p:cTn id="36" dur="1000" fill="hold"/>
-                                        <p:tgtEl>
-                                          <p:spTgt spid="23"/>
-                                        </p:tgtEl>
-                                        <p:attrNameLst>
-                                          <p:attrName>ppt_y</p:attrName>
-                                        </p:attrNameLst>
-                                      </p:cBhvr>
-                                      <p:tavLst>
-                                        <p:tav tm="0">
-                                          <p:val>
-                                            <p:strVal val="#ppt_y+.1"/>
-                                          </p:val>
-                                        </p:tav>
-                                        <p:tav tm="100000">
-                                          <p:val>
-                                            <p:strVal val="#ppt_y"/>
-                                          </p:val>
-                                        </p:tav>
-                                      </p:tavLst>
-                                    </p:anim>
-                                  </p:childTnLst>
-                                </p:cTn>
-                              </p:par>
-                              <p:par>
-                                <p:cTn id="37" presetID="42" presetClass="entr" presetSubtype="0" fill="hold" grpId="0" nodeType="withEffect">
-                                  <p:stCondLst>
-                                    <p:cond delay="0"/>
-                                  </p:stCondLst>
-                                  <p:childTnLst>
-                                    <p:set>
-                                      <p:cBhvr>
-                                        <p:cTn id="38" dur="1" fill="hold">
-                                          <p:stCondLst>
-                                            <p:cond delay="0"/>
-                                          </p:stCondLst>
-                                        </p:cTn>
-                                        <p:tgtEl>
-                                          <p:spTgt spid="25"/>
-                                        </p:tgtEl>
-                                        <p:attrNameLst>
-                                          <p:attrName>style.visibility</p:attrName>
-                                        </p:attrNameLst>
-                                      </p:cBhvr>
-                                      <p:to>
-                                        <p:strVal val="visible"/>
-                                      </p:to>
-                                    </p:set>
-                                    <p:animEffect transition="in" filter="fade">
-                                      <p:cBhvr>
-                                        <p:cTn id="39" dur="1000"/>
-                                        <p:tgtEl>
-                                          <p:spTgt spid="25"/>
-                                        </p:tgtEl>
-                                      </p:cBhvr>
-                                    </p:animEffect>
-                                    <p:anim calcmode="lin" valueType="num">
-                                      <p:cBhvr>
-                                        <p:cTn id="40" dur="1000" fill="hold"/>
-                                        <p:tgtEl>
-                                          <p:spTgt spid="25"/>
-                                        </p:tgtEl>
-                                        <p:attrNameLst>
-                                          <p:attrName>ppt_x</p:attrName>
-                                        </p:attrNameLst>
-                                      </p:cBhvr>
-                                      <p:tavLst>
-                                        <p:tav tm="0">
-                                          <p:val>
-                                            <p:strVal val="#ppt_x"/>
-                                          </p:val>
-                                        </p:tav>
-                                        <p:tav tm="100000">
-                                          <p:val>
-                                            <p:strVal val="#ppt_x"/>
-                                          </p:val>
-                                        </p:tav>
-                                      </p:tavLst>
-                                    </p:anim>
-                                    <p:anim calcmode="lin" valueType="num">
-                                      <p:cBhvr>
-                                        <p:cTn id="41" dur="1000" fill="hold"/>
-                                        <p:tgtEl>
-                                          <p:spTgt spid="25"/>
-                                        </p:tgtEl>
-                                        <p:attrNameLst>
-                                          <p:attrName>ppt_y</p:attrName>
-                                        </p:attrNameLst>
-                                      </p:cBhvr>
-                                      <p:tavLst>
-                                        <p:tav tm="0">
-                                          <p:val>
-                                            <p:strVal val="#ppt_y+.1"/>
-                                          </p:val>
-                                        </p:tav>
-                                        <p:tav tm="100000">
-                                          <p:val>
-                                            <p:strVal val="#ppt_y"/>
-                                          </p:val>
-                                        </p:tav>
-                                      </p:tavLst>
-                                    </p:anim>
-                                  </p:childTnLst>
-                                </p:cTn>
-                              </p:par>
-                              <p:par>
-                                <p:cTn id="42" presetID="42" presetClass="entr" presetSubtype="0" fill="hold" grpId="0" nodeType="withEffect">
-                                  <p:stCondLst>
-                                    <p:cond delay="0"/>
-                                  </p:stCondLst>
-                                  <p:childTnLst>
-                                    <p:set>
-                                      <p:cBhvr>
-                                        <p:cTn id="43" dur="1" fill="hold">
-                                          <p:stCondLst>
-                                            <p:cond delay="0"/>
-                                          </p:stCondLst>
-                                        </p:cTn>
-                                        <p:tgtEl>
-                                          <p:spTgt spid="48"/>
-                                        </p:tgtEl>
-                                        <p:attrNameLst>
-                                          <p:attrName>style.visibility</p:attrName>
-                                        </p:attrNameLst>
-                                      </p:cBhvr>
-                                      <p:to>
-                                        <p:strVal val="visible"/>
-                                      </p:to>
-                                    </p:set>
-                                    <p:animEffect transition="in" filter="fade">
-                                      <p:cBhvr>
-                                        <p:cTn id="44" dur="1000"/>
-                                        <p:tgtEl>
-                                          <p:spTgt spid="48"/>
-                                        </p:tgtEl>
-                                      </p:cBhvr>
-                                    </p:animEffect>
-                                    <p:anim calcmode="lin" valueType="num">
-                                      <p:cBhvr>
-                                        <p:cTn id="45" dur="1000" fill="hold"/>
-                                        <p:tgtEl>
-                                          <p:spTgt spid="48"/>
-                                        </p:tgtEl>
-                                        <p:attrNameLst>
-                                          <p:attrName>ppt_x</p:attrName>
-                                        </p:attrNameLst>
-                                      </p:cBhvr>
-                                      <p:tavLst>
-                                        <p:tav tm="0">
-                                          <p:val>
-                                            <p:strVal val="#ppt_x"/>
-                                          </p:val>
-                                        </p:tav>
-                                        <p:tav tm="100000">
-                                          <p:val>
-                                            <p:strVal val="#ppt_x"/>
-                                          </p:val>
-                                        </p:tav>
-                                      </p:tavLst>
-                                    </p:anim>
-                                    <p:anim calcmode="lin" valueType="num">
-                                      <p:cBhvr>
-                                        <p:cTn id="46" dur="1000" fill="hold"/>
-                                        <p:tgtEl>
-                                          <p:spTgt spid="48"/>
-                                        </p:tgtEl>
-                                        <p:attrNameLst>
-                                          <p:attrName>ppt_y</p:attrName>
-                                        </p:attrNameLst>
-                                      </p:cBhvr>
-                                      <p:tavLst>
-                                        <p:tav tm="0">
-                                          <p:val>
-                                            <p:strVal val="#ppt_y+.1"/>
-                                          </p:val>
-                                        </p:tav>
-                                        <p:tav tm="100000">
-                                          <p:val>
-                                            <p:strVal val="#ppt_y"/>
-                                          </p:val>
-                                        </p:tav>
-                                      </p:tavLst>
-                                    </p:anim>
-                                  </p:childTnLst>
-                                </p:cTn>
-                              </p:par>
-                            </p:childTnLst>
-                          </p:cTn>
-                        </p:par>
-                      </p:childTnLst>
-                    </p:cTn>
-                  </p:par>
-                  <p:par>
-                    <p:cTn id="47" fill="hold">
-                      <p:stCondLst>
-                        <p:cond delay="indefinite"/>
-                      </p:stCondLst>
-                      <p:childTnLst>
-                        <p:par>
-                          <p:cTn id="48" fill="hold">
-                            <p:stCondLst>
-                              <p:cond delay="0"/>
-                            </p:stCondLst>
-                            <p:childTnLst>
-                              <p:par>
-                                <p:cTn id="49" presetID="42" presetClass="entr" presetSubtype="0" fill="hold" grpId="0" nodeType="clickEffect">
-                                  <p:stCondLst>
-                                    <p:cond delay="0"/>
-                                  </p:stCondLst>
-                                  <p:childTnLst>
-                                    <p:set>
-                                      <p:cBhvr>
-                                        <p:cTn id="50" dur="1" fill="hold">
-                                          <p:stCondLst>
-                                            <p:cond delay="0"/>
-                                          </p:stCondLst>
-                                        </p:cTn>
-                                        <p:tgtEl>
-                                          <p:spTgt spid="14"/>
-                                        </p:tgtEl>
-                                        <p:attrNameLst>
-                                          <p:attrName>style.visibility</p:attrName>
-                                        </p:attrNameLst>
-                                      </p:cBhvr>
-                                      <p:to>
-                                        <p:strVal val="visible"/>
-                                      </p:to>
-                                    </p:set>
-                                    <p:animEffect transition="in" filter="fade">
-                                      <p:cBhvr>
-                                        <p:cTn id="51" dur="1000"/>
-                                        <p:tgtEl>
-                                          <p:spTgt spid="14"/>
-                                        </p:tgtEl>
-                                      </p:cBhvr>
-                                    </p:animEffect>
-                                    <p:anim calcmode="lin" valueType="num">
-                                      <p:cBhvr>
-                                        <p:cTn id="52" dur="1000" fill="hold"/>
-                                        <p:tgtEl>
-                                          <p:spTgt spid="14"/>
-                                        </p:tgtEl>
-                                        <p:attrNameLst>
-                                          <p:attrName>ppt_x</p:attrName>
-                                        </p:attrNameLst>
-                                      </p:cBhvr>
-                                      <p:tavLst>
-                                        <p:tav tm="0">
-                                          <p:val>
-                                            <p:strVal val="#ppt_x"/>
-                                          </p:val>
-                                        </p:tav>
-                                        <p:tav tm="100000">
-                                          <p:val>
-                                            <p:strVal val="#ppt_x"/>
-                                          </p:val>
-                                        </p:tav>
-                                      </p:tavLst>
-                                    </p:anim>
-                                    <p:anim calcmode="lin" valueType="num">
-                                      <p:cBhvr>
-                                        <p:cTn id="53" dur="1000" fill="hold"/>
-                                        <p:tgtEl>
-                                          <p:spTgt spid="14"/>
-                                        </p:tgtEl>
-                                        <p:attrNameLst>
-                                          <p:attrName>ppt_y</p:attrName>
-                                        </p:attrNameLst>
-                                      </p:cBhvr>
-                                      <p:tavLst>
-                                        <p:tav tm="0">
-                                          <p:val>
-                                            <p:strVal val="#ppt_y+.1"/>
-                                          </p:val>
-                                        </p:tav>
-                                        <p:tav tm="100000">
-                                          <p:val>
-                                            <p:strVal val="#ppt_y"/>
-                                          </p:val>
-                                        </p:tav>
-                                      </p:tavLst>
-                                    </p:anim>
-                                  </p:childTnLst>
-                                </p:cTn>
-                              </p:par>
-                              <p:par>
-                                <p:cTn id="54" presetID="42" presetClass="entr" presetSubtype="0" fill="hold" grpId="0" nodeType="withEffect">
-                                  <p:stCondLst>
-                                    <p:cond delay="0"/>
-                                  </p:stCondLst>
-                                  <p:childTnLst>
-                                    <p:set>
-                                      <p:cBhvr>
-                                        <p:cTn id="55" dur="1" fill="hold">
-                                          <p:stCondLst>
-                                            <p:cond delay="0"/>
-                                          </p:stCondLst>
-                                        </p:cTn>
-                                        <p:tgtEl>
-                                          <p:spTgt spid="45"/>
-                                        </p:tgtEl>
-                                        <p:attrNameLst>
-                                          <p:attrName>style.visibility</p:attrName>
-                                        </p:attrNameLst>
-                                      </p:cBhvr>
-                                      <p:to>
-                                        <p:strVal val="visible"/>
-                                      </p:to>
-                                    </p:set>
-                                    <p:animEffect transition="in" filter="fade">
-                                      <p:cBhvr>
-                                        <p:cTn id="56" dur="1000"/>
-                                        <p:tgtEl>
-                                          <p:spTgt spid="45"/>
-                                        </p:tgtEl>
-                                      </p:cBhvr>
-                                    </p:animEffect>
-                                    <p:anim calcmode="lin" valueType="num">
-                                      <p:cBhvr>
-                                        <p:cTn id="57" dur="1000" fill="hold"/>
-                                        <p:tgtEl>
-                                          <p:spTgt spid="45"/>
-                                        </p:tgtEl>
-                                        <p:attrNameLst>
-                                          <p:attrName>ppt_x</p:attrName>
-                                        </p:attrNameLst>
-                                      </p:cBhvr>
-                                      <p:tavLst>
-                                        <p:tav tm="0">
-                                          <p:val>
-                                            <p:strVal val="#ppt_x"/>
-                                          </p:val>
-                                        </p:tav>
-                                        <p:tav tm="100000">
-                                          <p:val>
-                                            <p:strVal val="#ppt_x"/>
-                                          </p:val>
-                                        </p:tav>
-                                      </p:tavLst>
-                                    </p:anim>
-                                    <p:anim calcmode="lin" valueType="num">
-                                      <p:cBhvr>
-                                        <p:cTn id="58" dur="1000" fill="hold"/>
-                                        <p:tgtEl>
-                                          <p:spTgt spid="45"/>
-                                        </p:tgtEl>
-                                        <p:attrNameLst>
-                                          <p:attrName>ppt_y</p:attrName>
-                                        </p:attrNameLst>
-                                      </p:cBhvr>
-                                      <p:tavLst>
-                                        <p:tav tm="0">
-                                          <p:val>
-                                            <p:strVal val="#ppt_y+.1"/>
-                                          </p:val>
-                                        </p:tav>
-                                        <p:tav tm="100000">
-                                          <p:val>
-                                            <p:strVal val="#ppt_y"/>
-                                          </p:val>
-                                        </p:tav>
-                                      </p:tavLst>
-                                    </p:anim>
-                                  </p:childTnLst>
-                                </p:cTn>
-                              </p:par>
-                              <p:par>
-                                <p:cTn id="59" presetID="42" presetClass="entr" presetSubtype="0" fill="hold" grpId="0" nodeType="withEffect">
-                                  <p:stCondLst>
-                                    <p:cond delay="0"/>
-                                  </p:stCondLst>
-                                  <p:childTnLst>
-                                    <p:set>
-                                      <p:cBhvr>
-                                        <p:cTn id="60" dur="1" fill="hold">
-                                          <p:stCondLst>
-                                            <p:cond delay="0"/>
-                                          </p:stCondLst>
-                                        </p:cTn>
-                                        <p:tgtEl>
-                                          <p:spTgt spid="26"/>
-                                        </p:tgtEl>
-                                        <p:attrNameLst>
-                                          <p:attrName>style.visibility</p:attrName>
-                                        </p:attrNameLst>
-                                      </p:cBhvr>
-                                      <p:to>
-                                        <p:strVal val="visible"/>
-                                      </p:to>
-                                    </p:set>
-                                    <p:animEffect transition="in" filter="fade">
-                                      <p:cBhvr>
-                                        <p:cTn id="61" dur="1000"/>
-                                        <p:tgtEl>
-                                          <p:spTgt spid="26"/>
-                                        </p:tgtEl>
-                                      </p:cBhvr>
-                                    </p:animEffect>
-                                    <p:anim calcmode="lin" valueType="num">
-                                      <p:cBhvr>
-                                        <p:cTn id="62" dur="1000" fill="hold"/>
-                                        <p:tgtEl>
-                                          <p:spTgt spid="26"/>
-                                        </p:tgtEl>
-                                        <p:attrNameLst>
-                                          <p:attrName>ppt_x</p:attrName>
-                                        </p:attrNameLst>
-                                      </p:cBhvr>
-                                      <p:tavLst>
-                                        <p:tav tm="0">
-                                          <p:val>
-                                            <p:strVal val="#ppt_x"/>
-                                          </p:val>
-                                        </p:tav>
-                                        <p:tav tm="100000">
-                                          <p:val>
-                                            <p:strVal val="#ppt_x"/>
-                                          </p:val>
-                                        </p:tav>
-                                      </p:tavLst>
-                                    </p:anim>
-                                    <p:anim calcmode="lin" valueType="num">
-                                      <p:cBhvr>
-                                        <p:cTn id="63" dur="1000" fill="hold"/>
-                                        <p:tgtEl>
-                                          <p:spTgt spid="26"/>
-                                        </p:tgtEl>
-                                        <p:attrNameLst>
-                                          <p:attrName>ppt_y</p:attrName>
-                                        </p:attrNameLst>
-                                      </p:cBhvr>
-                                      <p:tavLst>
-                                        <p:tav tm="0">
-                                          <p:val>
-                                            <p:strVal val="#ppt_y+.1"/>
-                                          </p:val>
-                                        </p:tav>
-                                        <p:tav tm="100000">
-                                          <p:val>
-                                            <p:strVal val="#ppt_y"/>
-                                          </p:val>
-                                        </p:tav>
-                                      </p:tavLst>
-                                    </p:anim>
-                                  </p:childTnLst>
-                                </p:cTn>
-                              </p:par>
-                              <p:par>
-                                <p:cTn id="64" presetID="42" presetClass="entr" presetSubtype="0" fill="hold" grpId="0" nodeType="withEffect">
-                                  <p:stCondLst>
-                                    <p:cond delay="0"/>
-                                  </p:stCondLst>
-                                  <p:childTnLst>
-                                    <p:set>
-                                      <p:cBhvr>
-                                        <p:cTn id="65" dur="1" fill="hold">
-                                          <p:stCondLst>
-                                            <p:cond delay="0"/>
-                                          </p:stCondLst>
-                                        </p:cTn>
-                                        <p:tgtEl>
-                                          <p:spTgt spid="28"/>
-                                        </p:tgtEl>
-                                        <p:attrNameLst>
-                                          <p:attrName>style.visibility</p:attrName>
-                                        </p:attrNameLst>
-                                      </p:cBhvr>
-                                      <p:to>
-                                        <p:strVal val="visible"/>
-                                      </p:to>
-                                    </p:set>
-                                    <p:animEffect transition="in" filter="fade">
-                                      <p:cBhvr>
-                                        <p:cTn id="66" dur="1000"/>
-                                        <p:tgtEl>
-                                          <p:spTgt spid="28"/>
-                                        </p:tgtEl>
-                                      </p:cBhvr>
-                                    </p:animEffect>
-                                    <p:anim calcmode="lin" valueType="num">
-                                      <p:cBhvr>
-                                        <p:cTn id="67" dur="1000" fill="hold"/>
-                                        <p:tgtEl>
-                                          <p:spTgt spid="28"/>
-                                        </p:tgtEl>
-                                        <p:attrNameLst>
-                                          <p:attrName>ppt_x</p:attrName>
-                                        </p:attrNameLst>
-                                      </p:cBhvr>
-                                      <p:tavLst>
-                                        <p:tav tm="0">
-                                          <p:val>
-                                            <p:strVal val="#ppt_x"/>
-                                          </p:val>
-                                        </p:tav>
-                                        <p:tav tm="100000">
-                                          <p:val>
-                                            <p:strVal val="#ppt_x"/>
-                                          </p:val>
-                                        </p:tav>
-                                      </p:tavLst>
-                                    </p:anim>
-                                    <p:anim calcmode="lin" valueType="num">
-                                      <p:cBhvr>
-                                        <p:cTn id="68" dur="1000" fill="hold"/>
-                                        <p:tgtEl>
-                                          <p:spTgt spid="28"/>
-                                        </p:tgtEl>
-                                        <p:attrNameLst>
-                                          <p:attrName>ppt_y</p:attrName>
-                                        </p:attrNameLst>
-                                      </p:cBhvr>
-                                      <p:tavLst>
-                                        <p:tav tm="0">
-                                          <p:val>
-                                            <p:strVal val="#ppt_y+.1"/>
-                                          </p:val>
-                                        </p:tav>
-                                        <p:tav tm="100000">
-                                          <p:val>
-                                            <p:strVal val="#ppt_y"/>
-                                          </p:val>
-                                        </p:tav>
-                                      </p:tavLst>
-                                    </p:anim>
-                                  </p:childTnLst>
-                                </p:cTn>
-                              </p:par>
-                              <p:par>
-                                <p:cTn id="69" presetID="42" presetClass="entr" presetSubtype="0" fill="hold" grpId="0" nodeType="withEffect">
-                                  <p:stCondLst>
-                                    <p:cond delay="0"/>
-                                  </p:stCondLst>
-                                  <p:childTnLst>
-                                    <p:set>
-                                      <p:cBhvr>
-                                        <p:cTn id="70" dur="1" fill="hold">
-                                          <p:stCondLst>
-                                            <p:cond delay="0"/>
-                                          </p:stCondLst>
-                                        </p:cTn>
-                                        <p:tgtEl>
-                                          <p:spTgt spid="49"/>
-                                        </p:tgtEl>
-                                        <p:attrNameLst>
-                                          <p:attrName>style.visibility</p:attrName>
-                                        </p:attrNameLst>
-                                      </p:cBhvr>
-                                      <p:to>
-                                        <p:strVal val="visible"/>
-                                      </p:to>
-                                    </p:set>
-                                    <p:animEffect transition="in" filter="fade">
-                                      <p:cBhvr>
-                                        <p:cTn id="71" dur="1000"/>
-                                        <p:tgtEl>
-                                          <p:spTgt spid="49"/>
-                                        </p:tgtEl>
-                                      </p:cBhvr>
-                                    </p:animEffect>
-                                    <p:anim calcmode="lin" valueType="num">
-                                      <p:cBhvr>
-                                        <p:cTn id="72" dur="1000" fill="hold"/>
-                                        <p:tgtEl>
-                                          <p:spTgt spid="49"/>
-                                        </p:tgtEl>
-                                        <p:attrNameLst>
-                                          <p:attrName>ppt_x</p:attrName>
-                                        </p:attrNameLst>
-                                      </p:cBhvr>
-                                      <p:tavLst>
-                                        <p:tav tm="0">
-                                          <p:val>
-                                            <p:strVal val="#ppt_x"/>
-                                          </p:val>
-                                        </p:tav>
-                                        <p:tav tm="100000">
-                                          <p:val>
-                                            <p:strVal val="#ppt_x"/>
-                                          </p:val>
-                                        </p:tav>
-                                      </p:tavLst>
-                                    </p:anim>
-                                    <p:anim calcmode="lin" valueType="num">
-                                      <p:cBhvr>
-                                        <p:cTn id="73" dur="1000" fill="hold"/>
-                                        <p:tgtEl>
-                                          <p:spTgt spid="49"/>
-                                        </p:tgtEl>
-                                        <p:attrNameLst>
-                                          <p:attrName>ppt_y</p:attrName>
-                                        </p:attrNameLst>
-                                      </p:cBhvr>
-                                      <p:tavLst>
-                                        <p:tav tm="0">
-                                          <p:val>
-                                            <p:strVal val="#ppt_y+.1"/>
-                                          </p:val>
-                                        </p:tav>
-                                        <p:tav tm="100000">
-                                          <p:val>
-                                            <p:strVal val="#ppt_y"/>
-                                          </p:val>
-                                        </p:tav>
-                                      </p:tavLst>
-                                    </p:anim>
-                                  </p:childTnLst>
-                                </p:cTn>
-                              </p:par>
-                            </p:childTnLst>
-                          </p:cTn>
-                        </p:par>
-                      </p:childTnLst>
-                    </p:cTn>
-                  </p:par>
-                  <p:par>
-                    <p:cTn id="74" fill="hold">
-                      <p:stCondLst>
-                        <p:cond delay="indefinite"/>
-                      </p:stCondLst>
-                      <p:childTnLst>
-                        <p:par>
-                          <p:cTn id="75" fill="hold">
-                            <p:stCondLst>
-                              <p:cond delay="0"/>
-                            </p:stCondLst>
-                            <p:childTnLst>
-                              <p:par>
-                                <p:cTn id="76" presetID="42" presetClass="entr" presetSubtype="0" fill="hold" grpId="0" nodeType="clickEffect">
-                                  <p:stCondLst>
-                                    <p:cond delay="0"/>
-                                  </p:stCondLst>
-                                  <p:childTnLst>
-                                    <p:set>
-                                      <p:cBhvr>
-                                        <p:cTn id="77" dur="1" fill="hold">
-                                          <p:stCondLst>
-                                            <p:cond delay="0"/>
-                                          </p:stCondLst>
-                                        </p:cTn>
-                                        <p:tgtEl>
-                                          <p:spTgt spid="50"/>
-                                        </p:tgtEl>
-                                        <p:attrNameLst>
-                                          <p:attrName>style.visibility</p:attrName>
-                                        </p:attrNameLst>
-                                      </p:cBhvr>
-                                      <p:to>
-                                        <p:strVal val="visible"/>
-                                      </p:to>
-                                    </p:set>
-                                    <p:animEffect transition="in" filter="fade">
-                                      <p:cBhvr>
-                                        <p:cTn id="78" dur="1000"/>
-                                        <p:tgtEl>
-                                          <p:spTgt spid="50"/>
-                                        </p:tgtEl>
-                                      </p:cBhvr>
-                                    </p:animEffect>
-                                    <p:anim calcmode="lin" valueType="num">
-                                      <p:cBhvr>
-                                        <p:cTn id="79" dur="1000" fill="hold"/>
-                                        <p:tgtEl>
-                                          <p:spTgt spid="50"/>
-                                        </p:tgtEl>
-                                        <p:attrNameLst>
-                                          <p:attrName>ppt_x</p:attrName>
-                                        </p:attrNameLst>
-                                      </p:cBhvr>
-                                      <p:tavLst>
-                                        <p:tav tm="0">
-                                          <p:val>
-                                            <p:strVal val="#ppt_x"/>
-                                          </p:val>
-                                        </p:tav>
-                                        <p:tav tm="100000">
-                                          <p:val>
-                                            <p:strVal val="#ppt_x"/>
-                                          </p:val>
-                                        </p:tav>
-                                      </p:tavLst>
-                                    </p:anim>
-                                    <p:anim calcmode="lin" valueType="num">
-                                      <p:cBhvr>
-                                        <p:cTn id="80" dur="1000" fill="hold"/>
-                                        <p:tgtEl>
-                                          <p:spTgt spid="50"/>
-                                        </p:tgtEl>
-                                        <p:attrNameLst>
-                                          <p:attrName>ppt_y</p:attrName>
-                                        </p:attrNameLst>
-                                      </p:cBhvr>
-                                      <p:tavLst>
-                                        <p:tav tm="0">
-                                          <p:val>
-                                            <p:strVal val="#ppt_y+.1"/>
-                                          </p:val>
-                                        </p:tav>
-                                        <p:tav tm="100000">
-                                          <p:val>
-                                            <p:strVal val="#ppt_y"/>
-                                          </p:val>
-                                        </p:tav>
-                                      </p:tavLst>
-                                    </p:anim>
-                                  </p:childTnLst>
-                                </p:cTn>
-                              </p:par>
-                            </p:childTnLst>
-                          </p:cTn>
-                        </p:par>
-                      </p:childTnLst>
-                    </p:cTn>
-                  </p:par>
-                </p:childTnLst>
-              </p:cTn>
-              <p:prevCondLst>
-                <p:cond evt="onPrev" delay="0">
-                  <p:tgtEl>
-                    <p:sldTgt/>
-                  </p:tgtEl>
-                </p:cond>
-              </p:prevCondLst>
-              <p:nextCondLst>
-                <p:cond evt="onNext" delay="0">
-                  <p:tgtEl>
-                    <p:sldTgt/>
-                  </p:tgtEl>
-                </p:cond>
-              </p:nextCondLst>
-            </p:seq>
-          </p:childTnLst>
-        </p:cTn>
-      </p:par>
-    </p:tnLst>
-    <p:bldLst>
-      <p:bldP spid="28" grpId="0"/>
-      <p:bldP spid="12" grpId="0"/>
-      <p:bldP spid="13" grpId="0"/>
-      <p:bldP spid="14" grpId="0"/>
-      <p:bldP spid="22" grpId="0"/>
-      <p:bldP spid="23" grpId="0"/>
-      <p:bldP spid="25" grpId="0"/>
-      <p:bldP spid="26" grpId="0"/>
-      <p:bldP spid="45" grpId="0"/>
-      <p:bldP spid="47" grpId="0" animBg="1"/>
-      <p:bldP spid="48" grpId="0" animBg="1"/>
-      <p:bldP spid="49" grpId="0" animBg="1"/>
-      <p:bldP spid="50" grpId="0"/>
-      <p:bldP spid="2" grpId="0"/>
-    </p:bldLst>
-  </p:timing>
 </p:sld>
 </file>
 
@@ -40164,7 +38592,7 @@
         <p:fade/>
       </p:transition>
     </mc:Choice>
-    <mc:Fallback xmlns="" xmlns:a14="http://schemas.microsoft.com/office/drawing/2010/main" xmlns:m="http://schemas.openxmlformats.org/officeDocument/2006/math" xmlns:p15="http://schemas.microsoft.com/office/powerpoint/2012/main" xmlns:p159="http://schemas.microsoft.com/office/powerpoint/2015/09/main" xmlns:w="http://schemas.openxmlformats.org/wordprocessingml/2006/main" xmlns:wp="http://schemas.openxmlformats.org/drawingml/2006/wordprocessingDrawing">
+    <mc:Fallback xmlns:wp="http://schemas.openxmlformats.org/drawingml/2006/wordprocessingDrawing" xmlns:w="http://schemas.openxmlformats.org/wordprocessingml/2006/main" xmlns:p159="http://schemas.microsoft.com/office/powerpoint/2015/09/main" xmlns:p15="http://schemas.microsoft.com/office/powerpoint/2012/main" xmlns:m="http://schemas.openxmlformats.org/officeDocument/2006/math" xmlns:a14="http://schemas.microsoft.com/office/drawing/2010/main" xmlns="">
       <p:transition spd="med">
         <p:fade/>
       </p:transition>
@@ -42585,819 +41013,6 @@
   <p:clrMapOvr>
     <a:masterClrMapping/>
   </p:clrMapOvr>
-  <p:timing>
-    <p:tnLst>
-      <p:par>
-        <p:cTn id="1" dur="indefinite" restart="never" nodeType="tmRoot">
-          <p:childTnLst>
-            <p:seq concurrent="1" nextAc="seek">
-              <p:cTn id="2" dur="indefinite" nodeType="mainSeq">
-                <p:childTnLst>
-                  <p:par>
-                    <p:cTn id="3" fill="hold">
-                      <p:stCondLst>
-                        <p:cond delay="indefinite"/>
-                      </p:stCondLst>
-                      <p:childTnLst>
-                        <p:par>
-                          <p:cTn id="4" fill="hold">
-                            <p:stCondLst>
-                              <p:cond delay="0"/>
-                            </p:stCondLst>
-                            <p:childTnLst>
-                              <p:par>
-                                <p:cTn id="5" presetID="22" presetClass="entr" presetSubtype="4" fill="hold" grpId="0" nodeType="clickEffect">
-                                  <p:stCondLst>
-                                    <p:cond delay="0"/>
-                                  </p:stCondLst>
-                                  <p:childTnLst>
-                                    <p:set>
-                                      <p:cBhvr>
-                                        <p:cTn id="6" dur="1" fill="hold">
-                                          <p:stCondLst>
-                                            <p:cond delay="0"/>
-                                          </p:stCondLst>
-                                        </p:cTn>
-                                        <p:tgtEl>
-                                          <p:spTgt spid="31"/>
-                                        </p:tgtEl>
-                                        <p:attrNameLst>
-                                          <p:attrName>style.visibility</p:attrName>
-                                        </p:attrNameLst>
-                                      </p:cBhvr>
-                                      <p:to>
-                                        <p:strVal val="visible"/>
-                                      </p:to>
-                                    </p:set>
-                                    <p:animEffect transition="in" filter="wipe(down)">
-                                      <p:cBhvr>
-                                        <p:cTn id="7" dur="500"/>
-                                        <p:tgtEl>
-                                          <p:spTgt spid="31"/>
-                                        </p:tgtEl>
-                                      </p:cBhvr>
-                                    </p:animEffect>
-                                  </p:childTnLst>
-                                </p:cTn>
-                              </p:par>
-                              <p:par>
-                                <p:cTn id="8" presetID="22" presetClass="entr" presetSubtype="4" fill="hold" grpId="0" nodeType="withEffect">
-                                  <p:stCondLst>
-                                    <p:cond delay="0"/>
-                                  </p:stCondLst>
-                                  <p:childTnLst>
-                                    <p:set>
-                                      <p:cBhvr>
-                                        <p:cTn id="9" dur="1" fill="hold">
-                                          <p:stCondLst>
-                                            <p:cond delay="0"/>
-                                          </p:stCondLst>
-                                        </p:cTn>
-                                        <p:tgtEl>
-                                          <p:spTgt spid="32"/>
-                                        </p:tgtEl>
-                                        <p:attrNameLst>
-                                          <p:attrName>style.visibility</p:attrName>
-                                        </p:attrNameLst>
-                                      </p:cBhvr>
-                                      <p:to>
-                                        <p:strVal val="visible"/>
-                                      </p:to>
-                                    </p:set>
-                                    <p:animEffect transition="in" filter="wipe(down)">
-                                      <p:cBhvr>
-                                        <p:cTn id="10" dur="500"/>
-                                        <p:tgtEl>
-                                          <p:spTgt spid="32"/>
-                                        </p:tgtEl>
-                                      </p:cBhvr>
-                                    </p:animEffect>
-                                  </p:childTnLst>
-                                </p:cTn>
-                              </p:par>
-                              <p:par>
-                                <p:cTn id="11" presetID="22" presetClass="entr" presetSubtype="4" fill="hold" grpId="0" nodeType="withEffect">
-                                  <p:stCondLst>
-                                    <p:cond delay="0"/>
-                                  </p:stCondLst>
-                                  <p:childTnLst>
-                                    <p:set>
-                                      <p:cBhvr>
-                                        <p:cTn id="12" dur="1" fill="hold">
-                                          <p:stCondLst>
-                                            <p:cond delay="0"/>
-                                          </p:stCondLst>
-                                        </p:cTn>
-                                        <p:tgtEl>
-                                          <p:spTgt spid="33"/>
-                                        </p:tgtEl>
-                                        <p:attrNameLst>
-                                          <p:attrName>style.visibility</p:attrName>
-                                        </p:attrNameLst>
-                                      </p:cBhvr>
-                                      <p:to>
-                                        <p:strVal val="visible"/>
-                                      </p:to>
-                                    </p:set>
-                                    <p:animEffect transition="in" filter="wipe(down)">
-                                      <p:cBhvr>
-                                        <p:cTn id="13" dur="500"/>
-                                        <p:tgtEl>
-                                          <p:spTgt spid="33"/>
-                                        </p:tgtEl>
-                                      </p:cBhvr>
-                                    </p:animEffect>
-                                  </p:childTnLst>
-                                </p:cTn>
-                              </p:par>
-                              <p:par>
-                                <p:cTn id="14" presetID="22" presetClass="entr" presetSubtype="4" fill="hold" grpId="0" nodeType="withEffect">
-                                  <p:stCondLst>
-                                    <p:cond delay="0"/>
-                                  </p:stCondLst>
-                                  <p:childTnLst>
-                                    <p:set>
-                                      <p:cBhvr>
-                                        <p:cTn id="15" dur="1" fill="hold">
-                                          <p:stCondLst>
-                                            <p:cond delay="0"/>
-                                          </p:stCondLst>
-                                        </p:cTn>
-                                        <p:tgtEl>
-                                          <p:spTgt spid="34"/>
-                                        </p:tgtEl>
-                                        <p:attrNameLst>
-                                          <p:attrName>style.visibility</p:attrName>
-                                        </p:attrNameLst>
-                                      </p:cBhvr>
-                                      <p:to>
-                                        <p:strVal val="visible"/>
-                                      </p:to>
-                                    </p:set>
-                                    <p:animEffect transition="in" filter="wipe(down)">
-                                      <p:cBhvr>
-                                        <p:cTn id="16" dur="500"/>
-                                        <p:tgtEl>
-                                          <p:spTgt spid="34"/>
-                                        </p:tgtEl>
-                                      </p:cBhvr>
-                                    </p:animEffect>
-                                  </p:childTnLst>
-                                </p:cTn>
-                              </p:par>
-                              <p:par>
-                                <p:cTn id="17" presetID="22" presetClass="entr" presetSubtype="4" fill="hold" grpId="0" nodeType="withEffect">
-                                  <p:stCondLst>
-                                    <p:cond delay="0"/>
-                                  </p:stCondLst>
-                                  <p:childTnLst>
-                                    <p:set>
-                                      <p:cBhvr>
-                                        <p:cTn id="18" dur="1" fill="hold">
-                                          <p:stCondLst>
-                                            <p:cond delay="0"/>
-                                          </p:stCondLst>
-                                        </p:cTn>
-                                        <p:tgtEl>
-                                          <p:spTgt spid="35"/>
-                                        </p:tgtEl>
-                                        <p:attrNameLst>
-                                          <p:attrName>style.visibility</p:attrName>
-                                        </p:attrNameLst>
-                                      </p:cBhvr>
-                                      <p:to>
-                                        <p:strVal val="visible"/>
-                                      </p:to>
-                                    </p:set>
-                                    <p:animEffect transition="in" filter="wipe(down)">
-                                      <p:cBhvr>
-                                        <p:cTn id="19" dur="500"/>
-                                        <p:tgtEl>
-                                          <p:spTgt spid="35"/>
-                                        </p:tgtEl>
-                                      </p:cBhvr>
-                                    </p:animEffect>
-                                  </p:childTnLst>
-                                </p:cTn>
-                              </p:par>
-                              <p:par>
-                                <p:cTn id="20" presetID="22" presetClass="entr" presetSubtype="4" fill="hold" grpId="0" nodeType="withEffect">
-                                  <p:stCondLst>
-                                    <p:cond delay="0"/>
-                                  </p:stCondLst>
-                                  <p:childTnLst>
-                                    <p:set>
-                                      <p:cBhvr>
-                                        <p:cTn id="21" dur="1" fill="hold">
-                                          <p:stCondLst>
-                                            <p:cond delay="0"/>
-                                          </p:stCondLst>
-                                        </p:cTn>
-                                        <p:tgtEl>
-                                          <p:spTgt spid="36"/>
-                                        </p:tgtEl>
-                                        <p:attrNameLst>
-                                          <p:attrName>style.visibility</p:attrName>
-                                        </p:attrNameLst>
-                                      </p:cBhvr>
-                                      <p:to>
-                                        <p:strVal val="visible"/>
-                                      </p:to>
-                                    </p:set>
-                                    <p:animEffect transition="in" filter="wipe(down)">
-                                      <p:cBhvr>
-                                        <p:cTn id="22" dur="500"/>
-                                        <p:tgtEl>
-                                          <p:spTgt spid="36"/>
-                                        </p:tgtEl>
-                                      </p:cBhvr>
-                                    </p:animEffect>
-                                  </p:childTnLst>
-                                </p:cTn>
-                              </p:par>
-                              <p:par>
-                                <p:cTn id="23" presetID="22" presetClass="entr" presetSubtype="4" fill="hold" grpId="0" nodeType="withEffect">
-                                  <p:stCondLst>
-                                    <p:cond delay="0"/>
-                                  </p:stCondLst>
-                                  <p:childTnLst>
-                                    <p:set>
-                                      <p:cBhvr>
-                                        <p:cTn id="24" dur="1" fill="hold">
-                                          <p:stCondLst>
-                                            <p:cond delay="0"/>
-                                          </p:stCondLst>
-                                        </p:cTn>
-                                        <p:tgtEl>
-                                          <p:spTgt spid="37"/>
-                                        </p:tgtEl>
-                                        <p:attrNameLst>
-                                          <p:attrName>style.visibility</p:attrName>
-                                        </p:attrNameLst>
-                                      </p:cBhvr>
-                                      <p:to>
-                                        <p:strVal val="visible"/>
-                                      </p:to>
-                                    </p:set>
-                                    <p:animEffect transition="in" filter="wipe(down)">
-                                      <p:cBhvr>
-                                        <p:cTn id="25" dur="500"/>
-                                        <p:tgtEl>
-                                          <p:spTgt spid="37"/>
-                                        </p:tgtEl>
-                                      </p:cBhvr>
-                                    </p:animEffect>
-                                  </p:childTnLst>
-                                </p:cTn>
-                              </p:par>
-                              <p:par>
-                                <p:cTn id="26" presetID="22" presetClass="entr" presetSubtype="4" fill="hold" nodeType="withEffect">
-                                  <p:stCondLst>
-                                    <p:cond delay="0"/>
-                                  </p:stCondLst>
-                                  <p:childTnLst>
-                                    <p:set>
-                                      <p:cBhvr>
-                                        <p:cTn id="27" dur="1" fill="hold">
-                                          <p:stCondLst>
-                                            <p:cond delay="0"/>
-                                          </p:stCondLst>
-                                        </p:cTn>
-                                        <p:tgtEl>
-                                          <p:spTgt spid="1026"/>
-                                        </p:tgtEl>
-                                        <p:attrNameLst>
-                                          <p:attrName>style.visibility</p:attrName>
-                                        </p:attrNameLst>
-                                      </p:cBhvr>
-                                      <p:to>
-                                        <p:strVal val="visible"/>
-                                      </p:to>
-                                    </p:set>
-                                    <p:animEffect transition="in" filter="wipe(down)">
-                                      <p:cBhvr>
-                                        <p:cTn id="28" dur="500"/>
-                                        <p:tgtEl>
-                                          <p:spTgt spid="1026"/>
-                                        </p:tgtEl>
-                                      </p:cBhvr>
-                                    </p:animEffect>
-                                  </p:childTnLst>
-                                </p:cTn>
-                              </p:par>
-                              <p:par>
-                                <p:cTn id="29" presetID="22" presetClass="entr" presetSubtype="4" fill="hold" grpId="0" nodeType="withEffect">
-                                  <p:stCondLst>
-                                    <p:cond delay="0"/>
-                                  </p:stCondLst>
-                                  <p:childTnLst>
-                                    <p:set>
-                                      <p:cBhvr>
-                                        <p:cTn id="30" dur="1" fill="hold">
-                                          <p:stCondLst>
-                                            <p:cond delay="0"/>
-                                          </p:stCondLst>
-                                        </p:cTn>
-                                        <p:tgtEl>
-                                          <p:spTgt spid="44"/>
-                                        </p:tgtEl>
-                                        <p:attrNameLst>
-                                          <p:attrName>style.visibility</p:attrName>
-                                        </p:attrNameLst>
-                                      </p:cBhvr>
-                                      <p:to>
-                                        <p:strVal val="visible"/>
-                                      </p:to>
-                                    </p:set>
-                                    <p:animEffect transition="in" filter="wipe(down)">
-                                      <p:cBhvr>
-                                        <p:cTn id="31" dur="500"/>
-                                        <p:tgtEl>
-                                          <p:spTgt spid="44"/>
-                                        </p:tgtEl>
-                                      </p:cBhvr>
-                                    </p:animEffect>
-                                  </p:childTnLst>
-                                </p:cTn>
-                              </p:par>
-                            </p:childTnLst>
-                          </p:cTn>
-                        </p:par>
-                      </p:childTnLst>
-                    </p:cTn>
-                  </p:par>
-                  <p:par>
-                    <p:cTn id="32" fill="hold">
-                      <p:stCondLst>
-                        <p:cond delay="indefinite"/>
-                      </p:stCondLst>
-                      <p:childTnLst>
-                        <p:par>
-                          <p:cTn id="33" fill="hold">
-                            <p:stCondLst>
-                              <p:cond delay="0"/>
-                            </p:stCondLst>
-                            <p:childTnLst>
-                              <p:par>
-                                <p:cTn id="34" presetID="22" presetClass="entr" presetSubtype="4" fill="hold" grpId="0" nodeType="clickEffect">
-                                  <p:stCondLst>
-                                    <p:cond delay="0"/>
-                                  </p:stCondLst>
-                                  <p:childTnLst>
-                                    <p:set>
-                                      <p:cBhvr>
-                                        <p:cTn id="35" dur="1" fill="hold">
-                                          <p:stCondLst>
-                                            <p:cond delay="0"/>
-                                          </p:stCondLst>
-                                        </p:cTn>
-                                        <p:tgtEl>
-                                          <p:spTgt spid="38"/>
-                                        </p:tgtEl>
-                                        <p:attrNameLst>
-                                          <p:attrName>style.visibility</p:attrName>
-                                        </p:attrNameLst>
-                                      </p:cBhvr>
-                                      <p:to>
-                                        <p:strVal val="visible"/>
-                                      </p:to>
-                                    </p:set>
-                                    <p:animEffect transition="in" filter="wipe(down)">
-                                      <p:cBhvr>
-                                        <p:cTn id="36" dur="500"/>
-                                        <p:tgtEl>
-                                          <p:spTgt spid="38"/>
-                                        </p:tgtEl>
-                                      </p:cBhvr>
-                                    </p:animEffect>
-                                  </p:childTnLst>
-                                </p:cTn>
-                              </p:par>
-                              <p:par>
-                                <p:cTn id="37" presetID="22" presetClass="entr" presetSubtype="4" fill="hold" grpId="0" nodeType="withEffect">
-                                  <p:stCondLst>
-                                    <p:cond delay="0"/>
-                                  </p:stCondLst>
-                                  <p:childTnLst>
-                                    <p:set>
-                                      <p:cBhvr>
-                                        <p:cTn id="38" dur="1" fill="hold">
-                                          <p:stCondLst>
-                                            <p:cond delay="0"/>
-                                          </p:stCondLst>
-                                        </p:cTn>
-                                        <p:tgtEl>
-                                          <p:spTgt spid="39"/>
-                                        </p:tgtEl>
-                                        <p:attrNameLst>
-                                          <p:attrName>style.visibility</p:attrName>
-                                        </p:attrNameLst>
-                                      </p:cBhvr>
-                                      <p:to>
-                                        <p:strVal val="visible"/>
-                                      </p:to>
-                                    </p:set>
-                                    <p:animEffect transition="in" filter="wipe(down)">
-                                      <p:cBhvr>
-                                        <p:cTn id="39" dur="500"/>
-                                        <p:tgtEl>
-                                          <p:spTgt spid="39"/>
-                                        </p:tgtEl>
-                                      </p:cBhvr>
-                                    </p:animEffect>
-                                  </p:childTnLst>
-                                </p:cTn>
-                              </p:par>
-                              <p:par>
-                                <p:cTn id="40" presetID="22" presetClass="entr" presetSubtype="4" fill="hold" grpId="0" nodeType="withEffect">
-                                  <p:stCondLst>
-                                    <p:cond delay="0"/>
-                                  </p:stCondLst>
-                                  <p:childTnLst>
-                                    <p:set>
-                                      <p:cBhvr>
-                                        <p:cTn id="41" dur="1" fill="hold">
-                                          <p:stCondLst>
-                                            <p:cond delay="0"/>
-                                          </p:stCondLst>
-                                        </p:cTn>
-                                        <p:tgtEl>
-                                          <p:spTgt spid="40"/>
-                                        </p:tgtEl>
-                                        <p:attrNameLst>
-                                          <p:attrName>style.visibility</p:attrName>
-                                        </p:attrNameLst>
-                                      </p:cBhvr>
-                                      <p:to>
-                                        <p:strVal val="visible"/>
-                                      </p:to>
-                                    </p:set>
-                                    <p:animEffect transition="in" filter="wipe(down)">
-                                      <p:cBhvr>
-                                        <p:cTn id="42" dur="500"/>
-                                        <p:tgtEl>
-                                          <p:spTgt spid="40"/>
-                                        </p:tgtEl>
-                                      </p:cBhvr>
-                                    </p:animEffect>
-                                  </p:childTnLst>
-                                </p:cTn>
-                              </p:par>
-                              <p:par>
-                                <p:cTn id="43" presetID="22" presetClass="entr" presetSubtype="4" fill="hold" grpId="0" nodeType="withEffect">
-                                  <p:stCondLst>
-                                    <p:cond delay="0"/>
-                                  </p:stCondLst>
-                                  <p:childTnLst>
-                                    <p:set>
-                                      <p:cBhvr>
-                                        <p:cTn id="44" dur="1" fill="hold">
-                                          <p:stCondLst>
-                                            <p:cond delay="0"/>
-                                          </p:stCondLst>
-                                        </p:cTn>
-                                        <p:tgtEl>
-                                          <p:spTgt spid="41"/>
-                                        </p:tgtEl>
-                                        <p:attrNameLst>
-                                          <p:attrName>style.visibility</p:attrName>
-                                        </p:attrNameLst>
-                                      </p:cBhvr>
-                                      <p:to>
-                                        <p:strVal val="visible"/>
-                                      </p:to>
-                                    </p:set>
-                                    <p:animEffect transition="in" filter="wipe(down)">
-                                      <p:cBhvr>
-                                        <p:cTn id="45" dur="500"/>
-                                        <p:tgtEl>
-                                          <p:spTgt spid="41"/>
-                                        </p:tgtEl>
-                                      </p:cBhvr>
-                                    </p:animEffect>
-                                  </p:childTnLst>
-                                </p:cTn>
-                              </p:par>
-                              <p:par>
-                                <p:cTn id="46" presetID="22" presetClass="entr" presetSubtype="4" fill="hold" grpId="0" nodeType="withEffect">
-                                  <p:stCondLst>
-                                    <p:cond delay="0"/>
-                                  </p:stCondLst>
-                                  <p:childTnLst>
-                                    <p:set>
-                                      <p:cBhvr>
-                                        <p:cTn id="47" dur="1" fill="hold">
-                                          <p:stCondLst>
-                                            <p:cond delay="0"/>
-                                          </p:stCondLst>
-                                        </p:cTn>
-                                        <p:tgtEl>
-                                          <p:spTgt spid="42"/>
-                                        </p:tgtEl>
-                                        <p:attrNameLst>
-                                          <p:attrName>style.visibility</p:attrName>
-                                        </p:attrNameLst>
-                                      </p:cBhvr>
-                                      <p:to>
-                                        <p:strVal val="visible"/>
-                                      </p:to>
-                                    </p:set>
-                                    <p:animEffect transition="in" filter="wipe(down)">
-                                      <p:cBhvr>
-                                        <p:cTn id="48" dur="500"/>
-                                        <p:tgtEl>
-                                          <p:spTgt spid="42"/>
-                                        </p:tgtEl>
-                                      </p:cBhvr>
-                                    </p:animEffect>
-                                  </p:childTnLst>
-                                </p:cTn>
-                              </p:par>
-                              <p:par>
-                                <p:cTn id="49" presetID="22" presetClass="entr" presetSubtype="4" fill="hold" grpId="0" nodeType="withEffect">
-                                  <p:stCondLst>
-                                    <p:cond delay="0"/>
-                                  </p:stCondLst>
-                                  <p:childTnLst>
-                                    <p:set>
-                                      <p:cBhvr>
-                                        <p:cTn id="50" dur="1" fill="hold">
-                                          <p:stCondLst>
-                                            <p:cond delay="0"/>
-                                          </p:stCondLst>
-                                        </p:cTn>
-                                        <p:tgtEl>
-                                          <p:spTgt spid="43"/>
-                                        </p:tgtEl>
-                                        <p:attrNameLst>
-                                          <p:attrName>style.visibility</p:attrName>
-                                        </p:attrNameLst>
-                                      </p:cBhvr>
-                                      <p:to>
-                                        <p:strVal val="visible"/>
-                                      </p:to>
-                                    </p:set>
-                                    <p:animEffect transition="in" filter="wipe(down)">
-                                      <p:cBhvr>
-                                        <p:cTn id="51" dur="500"/>
-                                        <p:tgtEl>
-                                          <p:spTgt spid="43"/>
-                                        </p:tgtEl>
-                                      </p:cBhvr>
-                                    </p:animEffect>
-                                  </p:childTnLst>
-                                </p:cTn>
-                              </p:par>
-                              <p:par>
-                                <p:cTn id="52" presetID="22" presetClass="entr" presetSubtype="4" fill="hold" grpId="0" nodeType="withEffect">
-                                  <p:stCondLst>
-                                    <p:cond delay="0"/>
-                                  </p:stCondLst>
-                                  <p:childTnLst>
-                                    <p:set>
-                                      <p:cBhvr>
-                                        <p:cTn id="53" dur="1" fill="hold">
-                                          <p:stCondLst>
-                                            <p:cond delay="0"/>
-                                          </p:stCondLst>
-                                        </p:cTn>
-                                        <p:tgtEl>
-                                          <p:spTgt spid="46"/>
-                                        </p:tgtEl>
-                                        <p:attrNameLst>
-                                          <p:attrName>style.visibility</p:attrName>
-                                        </p:attrNameLst>
-                                      </p:cBhvr>
-                                      <p:to>
-                                        <p:strVal val="visible"/>
-                                      </p:to>
-                                    </p:set>
-                                    <p:animEffect transition="in" filter="wipe(down)">
-                                      <p:cBhvr>
-                                        <p:cTn id="54" dur="500"/>
-                                        <p:tgtEl>
-                                          <p:spTgt spid="46"/>
-                                        </p:tgtEl>
-                                      </p:cBhvr>
-                                    </p:animEffect>
-                                  </p:childTnLst>
-                                </p:cTn>
-                              </p:par>
-                              <p:par>
-                                <p:cTn id="55" presetID="22" presetClass="entr" presetSubtype="4" fill="hold" nodeType="withEffect">
-                                  <p:stCondLst>
-                                    <p:cond delay="0"/>
-                                  </p:stCondLst>
-                                  <p:childTnLst>
-                                    <p:set>
-                                      <p:cBhvr>
-                                        <p:cTn id="56" dur="1" fill="hold">
-                                          <p:stCondLst>
-                                            <p:cond delay="0"/>
-                                          </p:stCondLst>
-                                        </p:cTn>
-                                        <p:tgtEl>
-                                          <p:spTgt spid="1028"/>
-                                        </p:tgtEl>
-                                        <p:attrNameLst>
-                                          <p:attrName>style.visibility</p:attrName>
-                                        </p:attrNameLst>
-                                      </p:cBhvr>
-                                      <p:to>
-                                        <p:strVal val="visible"/>
-                                      </p:to>
-                                    </p:set>
-                                    <p:animEffect transition="in" filter="wipe(down)">
-                                      <p:cBhvr>
-                                        <p:cTn id="57" dur="500"/>
-                                        <p:tgtEl>
-                                          <p:spTgt spid="1028"/>
-                                        </p:tgtEl>
-                                      </p:cBhvr>
-                                    </p:animEffect>
-                                  </p:childTnLst>
-                                </p:cTn>
-                              </p:par>
-                              <p:par>
-                                <p:cTn id="58" presetID="22" presetClass="entr" presetSubtype="4" fill="hold" nodeType="withEffect">
-                                  <p:stCondLst>
-                                    <p:cond delay="0"/>
-                                  </p:stCondLst>
-                                  <p:childTnLst>
-                                    <p:set>
-                                      <p:cBhvr>
-                                        <p:cTn id="59" dur="1" fill="hold">
-                                          <p:stCondLst>
-                                            <p:cond delay="0"/>
-                                          </p:stCondLst>
-                                        </p:cTn>
-                                        <p:tgtEl>
-                                          <p:spTgt spid="1030"/>
-                                        </p:tgtEl>
-                                        <p:attrNameLst>
-                                          <p:attrName>style.visibility</p:attrName>
-                                        </p:attrNameLst>
-                                      </p:cBhvr>
-                                      <p:to>
-                                        <p:strVal val="visible"/>
-                                      </p:to>
-                                    </p:set>
-                                    <p:animEffect transition="in" filter="wipe(down)">
-                                      <p:cBhvr>
-                                        <p:cTn id="60" dur="500"/>
-                                        <p:tgtEl>
-                                          <p:spTgt spid="1030"/>
-                                        </p:tgtEl>
-                                      </p:cBhvr>
-                                    </p:animEffect>
-                                  </p:childTnLst>
-                                </p:cTn>
-                              </p:par>
-                            </p:childTnLst>
-                          </p:cTn>
-                        </p:par>
-                      </p:childTnLst>
-                    </p:cTn>
-                  </p:par>
-                  <p:par>
-                    <p:cTn id="61" fill="hold">
-                      <p:stCondLst>
-                        <p:cond delay="indefinite"/>
-                      </p:stCondLst>
-                      <p:childTnLst>
-                        <p:par>
-                          <p:cTn id="62" fill="hold">
-                            <p:stCondLst>
-                              <p:cond delay="0"/>
-                            </p:stCondLst>
-                            <p:childTnLst>
-                              <p:par>
-                                <p:cTn id="63" presetID="42" presetClass="entr" presetSubtype="0" fill="hold" grpId="0" nodeType="clickEffect">
-                                  <p:stCondLst>
-                                    <p:cond delay="0"/>
-                                  </p:stCondLst>
-                                  <p:childTnLst>
-                                    <p:set>
-                                      <p:cBhvr>
-                                        <p:cTn id="64" dur="1" fill="hold">
-                                          <p:stCondLst>
-                                            <p:cond delay="0"/>
-                                          </p:stCondLst>
-                                        </p:cTn>
-                                        <p:tgtEl>
-                                          <p:spTgt spid="30"/>
-                                        </p:tgtEl>
-                                        <p:attrNameLst>
-                                          <p:attrName>style.visibility</p:attrName>
-                                        </p:attrNameLst>
-                                      </p:cBhvr>
-                                      <p:to>
-                                        <p:strVal val="visible"/>
-                                      </p:to>
-                                    </p:set>
-                                    <p:animEffect transition="in" filter="fade">
-                                      <p:cBhvr>
-                                        <p:cTn id="65" dur="1000"/>
-                                        <p:tgtEl>
-                                          <p:spTgt spid="30"/>
-                                        </p:tgtEl>
-                                      </p:cBhvr>
-                                    </p:animEffect>
-                                    <p:anim calcmode="lin" valueType="num">
-                                      <p:cBhvr>
-                                        <p:cTn id="66" dur="1000" fill="hold"/>
-                                        <p:tgtEl>
-                                          <p:spTgt spid="30"/>
-                                        </p:tgtEl>
-                                        <p:attrNameLst>
-                                          <p:attrName>ppt_x</p:attrName>
-                                        </p:attrNameLst>
-                                      </p:cBhvr>
-                                      <p:tavLst>
-                                        <p:tav tm="0">
-                                          <p:val>
-                                            <p:strVal val="#ppt_x"/>
-                                          </p:val>
-                                        </p:tav>
-                                        <p:tav tm="100000">
-                                          <p:val>
-                                            <p:strVal val="#ppt_x"/>
-                                          </p:val>
-                                        </p:tav>
-                                      </p:tavLst>
-                                    </p:anim>
-                                    <p:anim calcmode="lin" valueType="num">
-                                      <p:cBhvr>
-                                        <p:cTn id="67" dur="1000" fill="hold"/>
-                                        <p:tgtEl>
-                                          <p:spTgt spid="30"/>
-                                        </p:tgtEl>
-                                        <p:attrNameLst>
-                                          <p:attrName>ppt_y</p:attrName>
-                                        </p:attrNameLst>
-                                      </p:cBhvr>
-                                      <p:tavLst>
-                                        <p:tav tm="0">
-                                          <p:val>
-                                            <p:strVal val="#ppt_y+.1"/>
-                                          </p:val>
-                                        </p:tav>
-                                        <p:tav tm="100000">
-                                          <p:val>
-                                            <p:strVal val="#ppt_y"/>
-                                          </p:val>
-                                        </p:tav>
-                                      </p:tavLst>
-                                    </p:anim>
-                                  </p:childTnLst>
-                                </p:cTn>
-                              </p:par>
-                            </p:childTnLst>
-                          </p:cTn>
-                        </p:par>
-                      </p:childTnLst>
-                    </p:cTn>
-                  </p:par>
-                </p:childTnLst>
-              </p:cTn>
-              <p:prevCondLst>
-                <p:cond evt="onPrev" delay="0">
-                  <p:tgtEl>
-                    <p:sldTgt/>
-                  </p:tgtEl>
-                </p:cond>
-              </p:prevCondLst>
-              <p:nextCondLst>
-                <p:cond evt="onNext" delay="0">
-                  <p:tgtEl>
-                    <p:sldTgt/>
-                  </p:tgtEl>
-                </p:cond>
-              </p:nextCondLst>
-            </p:seq>
-          </p:childTnLst>
-        </p:cTn>
-      </p:par>
-    </p:tnLst>
-    <p:bldLst>
-      <p:bldP spid="30" grpId="0" animBg="1"/>
-      <p:bldP spid="31" grpId="0"/>
-      <p:bldP spid="32" grpId="0" animBg="1"/>
-      <p:bldP spid="33" grpId="0" animBg="1"/>
-      <p:bldP spid="34" grpId="0" animBg="1"/>
-      <p:bldP spid="35" grpId="0" animBg="1"/>
-      <p:bldP spid="36" grpId="0" animBg="1"/>
-      <p:bldP spid="37" grpId="0" animBg="1"/>
-      <p:bldP spid="38" grpId="0" animBg="1"/>
-      <p:bldP spid="39" grpId="0" animBg="1"/>
-      <p:bldP spid="40" grpId="0" animBg="1"/>
-      <p:bldP spid="41" grpId="0" animBg="1"/>
-      <p:bldP spid="42" grpId="0" animBg="1"/>
-      <p:bldP spid="43" grpId="0" animBg="1"/>
-      <p:bldP spid="44" grpId="0"/>
-      <p:bldP spid="46" grpId="0"/>
-    </p:bldLst>
-  </p:timing>
 </p:sld>
 </file>
 
